--- a/writing_literature_present/energy_pov_final_presentation_agbim.pptx
+++ b/writing_literature_present/energy_pov_final_presentation_agbim.pptx
@@ -214,7 +214,7 @@
           <a:p>
             <a:fld id="{92F7578D-5DD6-45D0-A00C-236E4CA75183}" type="datetimeFigureOut">
               <a:rPr lang="en-US" smtClean="0"/>
-              <a:t>4/26/2019</a:t>
+              <a:t>5/5/2019</a:t>
             </a:fld>
             <a:endParaRPr lang="en-US"/>
           </a:p>
@@ -1986,7 +1986,7 @@
           <a:p>
             <a:fld id="{B8D8D1CD-5272-4450-BCFC-C7D00825A9E1}" type="datetimeFigureOut">
               <a:rPr lang="en-US" smtClean="0"/>
-              <a:t>4/26/2019</a:t>
+              <a:t>5/5/2019</a:t>
             </a:fld>
             <a:endParaRPr lang="en-US"/>
           </a:p>
@@ -3445,7 +3445,7 @@
           <a:p>
             <a:fld id="{B8D8D1CD-5272-4450-BCFC-C7D00825A9E1}" type="datetimeFigureOut">
               <a:rPr lang="en-US" smtClean="0"/>
-              <a:t>4/26/2019</a:t>
+              <a:t>5/5/2019</a:t>
             </a:fld>
             <a:endParaRPr lang="en-US"/>
           </a:p>
@@ -4898,7 +4898,7 @@
           <a:p>
             <a:fld id="{B8D8D1CD-5272-4450-BCFC-C7D00825A9E1}" type="datetimeFigureOut">
               <a:rPr lang="en-US" smtClean="0"/>
-              <a:t>4/26/2019</a:t>
+              <a:t>5/5/2019</a:t>
             </a:fld>
             <a:endParaRPr lang="en-US"/>
           </a:p>
@@ -6353,7 +6353,7 @@
           <a:p>
             <a:fld id="{B8D8D1CD-5272-4450-BCFC-C7D00825A9E1}" type="datetimeFigureOut">
               <a:rPr lang="en-US" smtClean="0"/>
-              <a:t>4/26/2019</a:t>
+              <a:t>5/5/2019</a:t>
             </a:fld>
             <a:endParaRPr lang="en-US"/>
           </a:p>
@@ -7861,7 +7861,7 @@
           <a:p>
             <a:fld id="{B8D8D1CD-5272-4450-BCFC-C7D00825A9E1}" type="datetimeFigureOut">
               <a:rPr lang="en-US" smtClean="0"/>
-              <a:t>4/26/2019</a:t>
+              <a:t>5/5/2019</a:t>
             </a:fld>
             <a:endParaRPr lang="en-US"/>
           </a:p>
@@ -9382,7 +9382,7 @@
           <a:p>
             <a:fld id="{B8D8D1CD-5272-4450-BCFC-C7D00825A9E1}" type="datetimeFigureOut">
               <a:rPr lang="en-US" smtClean="0"/>
-              <a:t>4/26/2019</a:t>
+              <a:t>5/5/2019</a:t>
             </a:fld>
             <a:endParaRPr lang="en-US"/>
           </a:p>
@@ -11047,7 +11047,7 @@
           <a:p>
             <a:fld id="{B8D8D1CD-5272-4450-BCFC-C7D00825A9E1}" type="datetimeFigureOut">
               <a:rPr lang="en-US" smtClean="0"/>
-              <a:t>4/26/2019</a:t>
+              <a:t>5/5/2019</a:t>
             </a:fld>
             <a:endParaRPr lang="en-US"/>
           </a:p>
@@ -12445,7 +12445,7 @@
           <a:p>
             <a:fld id="{B8D8D1CD-5272-4450-BCFC-C7D00825A9E1}" type="datetimeFigureOut">
               <a:rPr lang="en-US" smtClean="0"/>
-              <a:t>4/26/2019</a:t>
+              <a:t>5/5/2019</a:t>
             </a:fld>
             <a:endParaRPr lang="en-US"/>
           </a:p>
@@ -12545,7 +12545,7 @@
           <a:p>
             <a:fld id="{B8D8D1CD-5272-4450-BCFC-C7D00825A9E1}" type="datetimeFigureOut">
               <a:rPr lang="en-US" smtClean="0"/>
-              <a:t>4/26/2019</a:t>
+              <a:t>5/5/2019</a:t>
             </a:fld>
             <a:endParaRPr lang="en-US"/>
           </a:p>
@@ -14071,7 +14071,7 @@
           <a:p>
             <a:fld id="{B8D8D1CD-5272-4450-BCFC-C7D00825A9E1}" type="datetimeFigureOut">
               <a:rPr lang="en-US" smtClean="0"/>
-              <a:t>4/26/2019</a:t>
+              <a:t>5/5/2019</a:t>
             </a:fld>
             <a:endParaRPr lang="en-US"/>
           </a:p>
@@ -15607,7 +15607,7 @@
           <a:p>
             <a:fld id="{B8D8D1CD-5272-4450-BCFC-C7D00825A9E1}" type="datetimeFigureOut">
               <a:rPr lang="en-US" smtClean="0"/>
-              <a:t>4/26/2019</a:t>
+              <a:t>5/5/2019</a:t>
             </a:fld>
             <a:endParaRPr lang="en-US"/>
           </a:p>
@@ -15830,7 +15830,7 @@
           <a:p>
             <a:fld id="{B8D8D1CD-5272-4450-BCFC-C7D00825A9E1}" type="datetimeFigureOut">
               <a:rPr lang="en-US" smtClean="0"/>
-              <a:t>4/26/2019</a:t>
+              <a:t>5/5/2019</a:t>
             </a:fld>
             <a:endParaRPr lang="en-US"/>
           </a:p>
@@ -44028,7 +44028,7 @@
         </p:nvSpPr>
         <p:spPr>
           <a:xfrm>
-            <a:off x="269876" y="2994442"/>
+            <a:off x="2607659" y="468094"/>
             <a:ext cx="1394207" cy="646331"/>
           </a:xfrm>
           <a:prstGeom prst="rect">
@@ -44058,7 +44058,7 @@
                   </a:outerShdw>
                 </a:effectLst>
               </a:rPr>
-              <a:t>Dependent Variables</a:t>
+              <a:t>Dependent Variable</a:t>
             </a:r>
           </a:p>
         </p:txBody>
@@ -44421,124 +44421,103 @@
           </p:txBody>
         </p:sp>
       </p:grpSp>
-      <p:grpSp>
-        <p:nvGrpSpPr>
-          <p:cNvPr id="7" name="Group 6">
+      <p:sp>
+        <p:nvSpPr>
+          <p:cNvPr id="39" name="Left Brace 38">
             <a:extLst>
               <a:ext uri="{FF2B5EF4-FFF2-40B4-BE49-F238E27FC236}">
-                <a16:creationId xmlns:a16="http://schemas.microsoft.com/office/drawing/2014/main" id="{034FF037-3ECC-40E0-BB4B-59F2621C48A5}"/>
+                <a16:creationId xmlns:a16="http://schemas.microsoft.com/office/drawing/2014/main" id="{60804222-6500-4785-AA85-1B14F275EC5C}"/>
               </a:ext>
             </a:extLst>
           </p:cNvPr>
-          <p:cNvGrpSpPr/>
+          <p:cNvSpPr/>
           <p:nvPr/>
-        </p:nvGrpSpPr>
-        <p:grpSpPr>
+        </p:nvSpPr>
+        <p:spPr>
           <a:xfrm>
-            <a:off x="2309931" y="542813"/>
-            <a:ext cx="2283500" cy="646331"/>
-            <a:chOff x="1141666" y="531542"/>
-            <a:chExt cx="2283500" cy="646331"/>
+            <a:off x="4123376" y="676888"/>
+            <a:ext cx="421974" cy="341575"/>
           </a:xfrm>
-        </p:grpSpPr>
-        <p:sp>
-          <p:nvSpPr>
-            <p:cNvPr id="39" name="Left Brace 38">
-              <a:extLst>
-                <a:ext uri="{FF2B5EF4-FFF2-40B4-BE49-F238E27FC236}">
-                  <a16:creationId xmlns:a16="http://schemas.microsoft.com/office/drawing/2014/main" id="{60804222-6500-4785-AA85-1B14F275EC5C}"/>
-                </a:ext>
-              </a:extLst>
-            </p:cNvPr>
-            <p:cNvSpPr/>
-            <p:nvPr/>
-          </p:nvSpPr>
-          <p:spPr>
-            <a:xfrm>
-              <a:off x="3003192" y="667065"/>
-              <a:ext cx="421974" cy="341575"/>
-            </a:xfrm>
-            <a:prstGeom prst="leftBrace">
-              <a:avLst>
-                <a:gd name="adj1" fmla="val 8333"/>
-                <a:gd name="adj2" fmla="val 52733"/>
-              </a:avLst>
-            </a:prstGeom>
-            <a:ln w="28575"/>
-          </p:spPr>
-          <p:style>
-            <a:lnRef idx="1">
-              <a:schemeClr val="dk1"/>
-            </a:lnRef>
-            <a:fillRef idx="0">
-              <a:schemeClr val="dk1"/>
-            </a:fillRef>
-            <a:effectRef idx="0">
-              <a:schemeClr val="dk1"/>
-            </a:effectRef>
-            <a:fontRef idx="minor">
+          <a:prstGeom prst="leftBrace">
+            <a:avLst>
+              <a:gd name="adj1" fmla="val 8333"/>
+              <a:gd name="adj2" fmla="val 52733"/>
+            </a:avLst>
+          </a:prstGeom>
+          <a:ln w="28575"/>
+        </p:spPr>
+        <p:style>
+          <a:lnRef idx="1">
+            <a:schemeClr val="dk1"/>
+          </a:lnRef>
+          <a:fillRef idx="0">
+            <a:schemeClr val="dk1"/>
+          </a:fillRef>
+          <a:effectRef idx="0">
+            <a:schemeClr val="dk1"/>
+          </a:effectRef>
+          <a:fontRef idx="minor">
+            <a:schemeClr val="tx1"/>
+          </a:fontRef>
+        </p:style>
+        <p:txBody>
+          <a:bodyPr rtlCol="0" anchor="ctr"/>
+          <a:lstStyle/>
+          <a:p>
+            <a:pPr algn="ctr"/>
+            <a:endParaRPr lang="en-US"/>
+          </a:p>
+        </p:txBody>
+      </p:sp>
+      <p:sp>
+        <p:nvSpPr>
+          <p:cNvPr id="40" name="TextBox 39">
+            <a:extLst>
+              <a:ext uri="{FF2B5EF4-FFF2-40B4-BE49-F238E27FC236}">
+                <a16:creationId xmlns:a16="http://schemas.microsoft.com/office/drawing/2014/main" id="{3AA6EBD4-4A85-4284-9992-A786B03B3EA5}"/>
+              </a:ext>
+            </a:extLst>
+          </p:cNvPr>
+          <p:cNvSpPr txBox="1"/>
+          <p:nvPr/>
+        </p:nvSpPr>
+        <p:spPr>
+          <a:xfrm>
+            <a:off x="271757" y="2894697"/>
+            <a:ext cx="1562100" cy="646331"/>
+          </a:xfrm>
+          <a:prstGeom prst="rect">
+            <a:avLst/>
+          </a:prstGeom>
+          <a:noFill/>
+          <a:ln w="28575">
+            <a:solidFill>
               <a:schemeClr val="tx1"/>
-            </a:fontRef>
-          </p:style>
-          <p:txBody>
-            <a:bodyPr rtlCol="0" anchor="ctr"/>
-            <a:lstStyle/>
-            <a:p>
-              <a:pPr algn="ctr"/>
-              <a:endParaRPr lang="en-US"/>
-            </a:p>
-          </p:txBody>
-        </p:sp>
-        <p:sp>
-          <p:nvSpPr>
-            <p:cNvPr id="40" name="TextBox 39">
-              <a:extLst>
-                <a:ext uri="{FF2B5EF4-FFF2-40B4-BE49-F238E27FC236}">
-                  <a16:creationId xmlns:a16="http://schemas.microsoft.com/office/drawing/2014/main" id="{3AA6EBD4-4A85-4284-9992-A786B03B3EA5}"/>
-                </a:ext>
-              </a:extLst>
-            </p:cNvPr>
-            <p:cNvSpPr txBox="1"/>
-            <p:nvPr/>
-          </p:nvSpPr>
-          <p:spPr>
-            <a:xfrm>
-              <a:off x="1141666" y="531542"/>
-              <a:ext cx="1811183" cy="646331"/>
-            </a:xfrm>
-            <a:prstGeom prst="rect">
-              <a:avLst/>
-            </a:prstGeom>
-            <a:noFill/>
-            <a:ln w="28575">
-              <a:solidFill>
-                <a:schemeClr val="tx1"/>
-              </a:solidFill>
-            </a:ln>
-          </p:spPr>
-          <p:txBody>
-            <a:bodyPr wrap="square" rtlCol="0">
-              <a:spAutoFit/>
-            </a:bodyPr>
-            <a:lstStyle/>
-            <a:p>
-              <a:r>
-                <a:rPr lang="en-US" dirty="0">
-                  <a:ln w="0"/>
-                  <a:effectLst>
-                    <a:outerShdw blurRad="38100" dist="19050" dir="2700000" algn="tl" rotWithShape="0">
-                      <a:schemeClr val="dk1">
-                        <a:alpha val="40000"/>
-                      </a:schemeClr>
-                    </a:outerShdw>
-                  </a:effectLst>
-                </a:rPr>
-                <a:t>Independent Variable</a:t>
-              </a:r>
-            </a:p>
-          </p:txBody>
-        </p:sp>
-      </p:grpSp>
+            </a:solidFill>
+          </a:ln>
+        </p:spPr>
+        <p:txBody>
+          <a:bodyPr wrap="square" rtlCol="0">
+            <a:spAutoFit/>
+          </a:bodyPr>
+          <a:lstStyle/>
+          <a:p>
+            <a:r>
+              <a:rPr lang="en-US" dirty="0">
+                <a:ln w="0"/>
+                <a:effectLst>
+                  <a:outerShdw blurRad="38100" dist="19050" dir="2700000" algn="tl" rotWithShape="0">
+                    <a:schemeClr val="dk1">
+                      <a:alpha val="40000"/>
+                    </a:schemeClr>
+                  </a:outerShdw>
+                </a:effectLst>
+              </a:rPr>
+              <a:t>Independent Variables</a:t>
+            </a:r>
+          </a:p>
+        </p:txBody>
+      </p:sp>
     </p:spTree>
     <p:extLst>
       <p:ext uri="{BB962C8B-B14F-4D97-AF65-F5344CB8AC3E}">

--- a/writing_literature_present/energy_pov_final_presentation_agbim.pptx
+++ b/writing_literature_present/energy_pov_final_presentation_agbim.pptx
@@ -214,7 +214,7 @@
           <a:p>
             <a:fld id="{92F7578D-5DD6-45D0-A00C-236E4CA75183}" type="datetimeFigureOut">
               <a:rPr lang="en-US" smtClean="0"/>
-              <a:t>5/5/2019</a:t>
+              <a:t>5/10/2019</a:t>
             </a:fld>
             <a:endParaRPr lang="en-US"/>
           </a:p>
@@ -577,6 +577,90 @@
 </p:notes>
 </file>
 
+<file path=ppt/notesSlides/notesSlide2.xml><?xml version="1.0" encoding="utf-8"?>
+<p:notes xmlns:a="http://schemas.openxmlformats.org/drawingml/2006/main" xmlns:r="http://schemas.openxmlformats.org/officeDocument/2006/relationships" xmlns:p="http://schemas.openxmlformats.org/presentationml/2006/main">
+  <p:cSld>
+    <p:spTree>
+      <p:nvGrpSpPr>
+        <p:cNvPr id="1" name=""/>
+        <p:cNvGrpSpPr/>
+        <p:nvPr/>
+      </p:nvGrpSpPr>
+      <p:grpSpPr>
+        <a:xfrm>
+          <a:off x="0" y="0"/>
+          <a:ext cx="0" cy="0"/>
+          <a:chOff x="0" y="0"/>
+          <a:chExt cx="0" cy="0"/>
+        </a:xfrm>
+      </p:grpSpPr>
+      <p:sp>
+        <p:nvSpPr>
+          <p:cNvPr id="2" name="Slide Image Placeholder 1"/>
+          <p:cNvSpPr>
+            <a:spLocks noGrp="1" noRot="1" noChangeAspect="1"/>
+          </p:cNvSpPr>
+          <p:nvPr>
+            <p:ph type="sldImg"/>
+          </p:nvPr>
+        </p:nvSpPr>
+        <p:spPr/>
+      </p:sp>
+      <p:sp>
+        <p:nvSpPr>
+          <p:cNvPr id="3" name="Notes Placeholder 2"/>
+          <p:cNvSpPr>
+            <a:spLocks noGrp="1"/>
+          </p:cNvSpPr>
+          <p:nvPr>
+            <p:ph type="body" idx="1"/>
+          </p:nvPr>
+        </p:nvSpPr>
+        <p:spPr/>
+        <p:txBody>
+          <a:bodyPr/>
+          <a:lstStyle/>
+          <a:p>
+            <a:endParaRPr lang="en-US" dirty="0"/>
+          </a:p>
+        </p:txBody>
+      </p:sp>
+      <p:sp>
+        <p:nvSpPr>
+          <p:cNvPr id="4" name="Slide Number Placeholder 3"/>
+          <p:cNvSpPr>
+            <a:spLocks noGrp="1"/>
+          </p:cNvSpPr>
+          <p:nvPr>
+            <p:ph type="sldNum" sz="quarter" idx="5"/>
+          </p:nvPr>
+        </p:nvSpPr>
+        <p:spPr/>
+        <p:txBody>
+          <a:bodyPr/>
+          <a:lstStyle/>
+          <a:p>
+            <a:fld id="{38932BC2-6844-4C9C-BE5D-4A09F7DBD0CB}" type="slidenum">
+              <a:rPr lang="en-US" smtClean="0"/>
+              <a:t>8</a:t>
+            </a:fld>
+            <a:endParaRPr lang="en-US"/>
+          </a:p>
+        </p:txBody>
+      </p:sp>
+    </p:spTree>
+    <p:extLst>
+      <p:ext uri="{BB962C8B-B14F-4D97-AF65-F5344CB8AC3E}">
+        <p14:creationId xmlns:p14="http://schemas.microsoft.com/office/powerpoint/2010/main" val="1313426362"/>
+      </p:ext>
+    </p:extLst>
+  </p:cSld>
+  <p:clrMapOvr>
+    <a:masterClrMapping/>
+  </p:clrMapOvr>
+</p:notes>
+</file>
+
 <file path=ppt/slideLayouts/slideLayout1.xml><?xml version="1.0" encoding="utf-8"?>
 <p:sldLayout xmlns:a="http://schemas.openxmlformats.org/drawingml/2006/main" xmlns:r="http://schemas.openxmlformats.org/officeDocument/2006/relationships" xmlns:p="http://schemas.openxmlformats.org/presentationml/2006/main" type="title" preserve="1">
   <p:cSld name="Title Slide">
@@ -1986,7 +2070,7 @@
           <a:p>
             <a:fld id="{B8D8D1CD-5272-4450-BCFC-C7D00825A9E1}" type="datetimeFigureOut">
               <a:rPr lang="en-US" smtClean="0"/>
-              <a:t>5/5/2019</a:t>
+              <a:t>5/10/2019</a:t>
             </a:fld>
             <a:endParaRPr lang="en-US"/>
           </a:p>
@@ -3445,7 +3529,7 @@
           <a:p>
             <a:fld id="{B8D8D1CD-5272-4450-BCFC-C7D00825A9E1}" type="datetimeFigureOut">
               <a:rPr lang="en-US" smtClean="0"/>
-              <a:t>5/5/2019</a:t>
+              <a:t>5/10/2019</a:t>
             </a:fld>
             <a:endParaRPr lang="en-US"/>
           </a:p>
@@ -4898,7 +4982,7 @@
           <a:p>
             <a:fld id="{B8D8D1CD-5272-4450-BCFC-C7D00825A9E1}" type="datetimeFigureOut">
               <a:rPr lang="en-US" smtClean="0"/>
-              <a:t>5/5/2019</a:t>
+              <a:t>5/10/2019</a:t>
             </a:fld>
             <a:endParaRPr lang="en-US"/>
           </a:p>
@@ -6353,7 +6437,7 @@
           <a:p>
             <a:fld id="{B8D8D1CD-5272-4450-BCFC-C7D00825A9E1}" type="datetimeFigureOut">
               <a:rPr lang="en-US" smtClean="0"/>
-              <a:t>5/5/2019</a:t>
+              <a:t>5/10/2019</a:t>
             </a:fld>
             <a:endParaRPr lang="en-US"/>
           </a:p>
@@ -7861,7 +7945,7 @@
           <a:p>
             <a:fld id="{B8D8D1CD-5272-4450-BCFC-C7D00825A9E1}" type="datetimeFigureOut">
               <a:rPr lang="en-US" smtClean="0"/>
-              <a:t>5/5/2019</a:t>
+              <a:t>5/10/2019</a:t>
             </a:fld>
             <a:endParaRPr lang="en-US"/>
           </a:p>
@@ -9382,7 +9466,7 @@
           <a:p>
             <a:fld id="{B8D8D1CD-5272-4450-BCFC-C7D00825A9E1}" type="datetimeFigureOut">
               <a:rPr lang="en-US" smtClean="0"/>
-              <a:t>5/5/2019</a:t>
+              <a:t>5/10/2019</a:t>
             </a:fld>
             <a:endParaRPr lang="en-US"/>
           </a:p>
@@ -11047,7 +11131,7 @@
           <a:p>
             <a:fld id="{B8D8D1CD-5272-4450-BCFC-C7D00825A9E1}" type="datetimeFigureOut">
               <a:rPr lang="en-US" smtClean="0"/>
-              <a:t>5/5/2019</a:t>
+              <a:t>5/10/2019</a:t>
             </a:fld>
             <a:endParaRPr lang="en-US"/>
           </a:p>
@@ -12445,7 +12529,7 @@
           <a:p>
             <a:fld id="{B8D8D1CD-5272-4450-BCFC-C7D00825A9E1}" type="datetimeFigureOut">
               <a:rPr lang="en-US" smtClean="0"/>
-              <a:t>5/5/2019</a:t>
+              <a:t>5/10/2019</a:t>
             </a:fld>
             <a:endParaRPr lang="en-US"/>
           </a:p>
@@ -12545,7 +12629,7 @@
           <a:p>
             <a:fld id="{B8D8D1CD-5272-4450-BCFC-C7D00825A9E1}" type="datetimeFigureOut">
               <a:rPr lang="en-US" smtClean="0"/>
-              <a:t>5/5/2019</a:t>
+              <a:t>5/10/2019</a:t>
             </a:fld>
             <a:endParaRPr lang="en-US"/>
           </a:p>
@@ -14071,7 +14155,7 @@
           <a:p>
             <a:fld id="{B8D8D1CD-5272-4450-BCFC-C7D00825A9E1}" type="datetimeFigureOut">
               <a:rPr lang="en-US" smtClean="0"/>
-              <a:t>5/5/2019</a:t>
+              <a:t>5/10/2019</a:t>
             </a:fld>
             <a:endParaRPr lang="en-US"/>
           </a:p>
@@ -15607,7 +15691,7 @@
           <a:p>
             <a:fld id="{B8D8D1CD-5272-4450-BCFC-C7D00825A9E1}" type="datetimeFigureOut">
               <a:rPr lang="en-US" smtClean="0"/>
-              <a:t>5/5/2019</a:t>
+              <a:t>5/10/2019</a:t>
             </a:fld>
             <a:endParaRPr lang="en-US"/>
           </a:p>
@@ -15830,7 +15914,7 @@
           <a:p>
             <a:fld id="{B8D8D1CD-5272-4450-BCFC-C7D00825A9E1}" type="datetimeFigureOut">
               <a:rPr lang="en-US" smtClean="0"/>
-              <a:t>5/5/2019</a:t>
+              <a:t>5/10/2019</a:t>
             </a:fld>
             <a:endParaRPr lang="en-US"/>
           </a:p>
@@ -42398,14 +42482,14 @@
             <p:ph idx="1"/>
             <p:extLst>
               <p:ext uri="{D42A27DB-BD31-4B8C-83A1-F6EECF244321}">
-                <p14:modId xmlns:p14="http://schemas.microsoft.com/office/powerpoint/2010/main" val="1984301869"/>
+                <p14:modId xmlns:p14="http://schemas.microsoft.com/office/powerpoint/2010/main" val="2867522586"/>
               </p:ext>
             </p:extLst>
           </p:nvPr>
         </p:nvGraphicFramePr>
         <p:xfrm>
           <a:off x="4570532" y="107499"/>
-          <a:ext cx="6295907" cy="6501179"/>
+          <a:ext cx="5878393" cy="6549312"/>
         </p:xfrm>
         <a:graphic>
           <a:graphicData uri="http://schemas.openxmlformats.org/drawingml/2006/table">
@@ -42414,21 +42498,21 @@
                 <a:tableStyleId>{5C22544A-7EE6-4342-B048-85BDC9FD1C3A}</a:tableStyleId>
               </a:tblPr>
               <a:tblGrid>
-                <a:gridCol w="2455910">
+                <a:gridCol w="2293046">
                   <a:extLst>
                     <a:ext uri="{9D8B030D-6E8A-4147-A177-3AD203B41FA5}">
                       <a16:colId xmlns:a16="http://schemas.microsoft.com/office/drawing/2014/main" val="3411579560"/>
                     </a:ext>
                   </a:extLst>
                 </a:gridCol>
-                <a:gridCol w="1559904">
+                <a:gridCol w="1456459">
                   <a:extLst>
                     <a:ext uri="{9D8B030D-6E8A-4147-A177-3AD203B41FA5}">
                       <a16:colId xmlns:a16="http://schemas.microsoft.com/office/drawing/2014/main" val="4169420181"/>
                     </a:ext>
                   </a:extLst>
                 </a:gridCol>
-                <a:gridCol w="2280093">
+                <a:gridCol w="2128888">
                   <a:extLst>
                     <a:ext uri="{9D8B030D-6E8A-4147-A177-3AD203B41FA5}">
                       <a16:colId xmlns:a16="http://schemas.microsoft.com/office/drawing/2014/main" val="3098581652"/>
@@ -42436,7 +42520,7 @@
                   </a:extLst>
                 </a:gridCol>
               </a:tblGrid>
-              <a:tr h="527440">
+              <a:tr h="453561">
                 <a:tc>
                   <a:txBody>
                     <a:bodyPr/>
@@ -42460,7 +42544,7 @@
                         <a:defRPr/>
                       </a:pPr>
                       <a:r>
-                        <a:rPr lang="en-US" sz="1800" dirty="0">
+                        <a:rPr lang="en-US" sz="1200" dirty="0">
                           <a:effectLst/>
                           <a:latin typeface="Calibri" panose="020F0502020204030204" pitchFamily="34" charset="0"/>
                           <a:ea typeface="Calibri" panose="020F0502020204030204" pitchFamily="34" charset="0"/>
@@ -42478,12 +42562,12 @@
                     <a:lstStyle/>
                     <a:p>
                       <a:r>
-                        <a:rPr lang="en-US" sz="1800">
+                        <a:rPr lang="en-US" sz="1200">
                           <a:effectLst/>
                         </a:rPr>
                         <a:t>Variable Prefix</a:t>
                       </a:r>
-                      <a:endParaRPr lang="en-US" dirty="0"/>
+                      <a:endParaRPr lang="en-US" sz="1200" dirty="0"/>
                     </a:p>
                   </a:txBody>
                   <a:tcPr marL="86320" marR="86320" marT="0" marB="0"/>
@@ -42494,7 +42578,7 @@
                     <a:lstStyle/>
                     <a:p>
                       <a:r>
-                        <a:rPr lang="en-US" sz="1800" dirty="0">
+                        <a:rPr lang="en-US" sz="1200" dirty="0">
                           <a:latin typeface="+mn-lt"/>
                         </a:rPr>
                         <a:t>Data Type</a:t>
@@ -42509,7 +42593,7 @@
                   </a:ext>
                 </a:extLst>
               </a:tr>
-              <a:tr h="429217">
+              <a:tr h="369096">
                 <a:tc>
                   <a:txBody>
                     <a:bodyPr/>
@@ -42533,7 +42617,7 @@
                         <a:defRPr/>
                       </a:pPr>
                       <a:r>
-                        <a:rPr lang="en-US" sz="1400" dirty="0">
+                        <a:rPr lang="en-US" sz="1100" dirty="0">
                           <a:effectLst/>
                           <a:latin typeface="Calibri" panose="020F0502020204030204" pitchFamily="34" charset="0"/>
                           <a:ea typeface="Calibri" panose="020F0502020204030204" pitchFamily="34" charset="0"/>
@@ -42551,12 +42635,12 @@
                     <a:lstStyle/>
                     <a:p>
                       <a:r>
-                        <a:rPr lang="en-US" sz="1400">
+                        <a:rPr lang="en-US" sz="1100">
                           <a:effectLst/>
                         </a:rPr>
                         <a:t>En_burden</a:t>
                       </a:r>
-                      <a:endParaRPr lang="en-US"/>
+                      <a:endParaRPr lang="en-US" sz="1100"/>
                     </a:p>
                   </a:txBody>
                   <a:tcPr marL="86320" marR="86320" marT="0" marB="0"/>
@@ -42578,7 +42662,7 @@
                         </a:spcAft>
                       </a:pPr>
                       <a:r>
-                        <a:rPr lang="en-US" sz="1400" dirty="0">
+                        <a:rPr lang="en-US" sz="1100" dirty="0">
                           <a:effectLst/>
                           <a:latin typeface="+mn-lt"/>
                           <a:ea typeface="Calibri" panose="020F0502020204030204" pitchFamily="34" charset="0"/>
@@ -42596,7 +42680,7 @@
                   </a:ext>
                 </a:extLst>
               </a:tr>
-              <a:tr h="251658">
+              <a:tr h="208045">
                 <a:tc>
                   <a:txBody>
                     <a:bodyPr/>
@@ -42614,7 +42698,7 @@
                         </a:spcAft>
                       </a:pPr>
                       <a:r>
-                        <a:rPr lang="en-US" sz="1400" dirty="0">
+                        <a:rPr lang="en-US" sz="1100" dirty="0">
                           <a:effectLst/>
                           <a:latin typeface="Calibri" panose="020F0502020204030204" pitchFamily="34" charset="0"/>
                           <a:ea typeface="Calibri" panose="020F0502020204030204" pitchFamily="34" charset="0"/>
@@ -42632,12 +42716,12 @@
                     <a:lstStyle/>
                     <a:p>
                       <a:r>
-                        <a:rPr lang="en-US" sz="1400">
+                        <a:rPr lang="en-US" sz="1100" dirty="0" err="1">
                           <a:effectLst/>
                         </a:rPr>
                         <a:t>fip</a:t>
                       </a:r>
-                      <a:endParaRPr lang="en-US" dirty="0"/>
+                      <a:endParaRPr lang="en-US" sz="1100" dirty="0"/>
                     </a:p>
                   </a:txBody>
                   <a:tcPr marL="86320" marR="86320" marT="0" marB="0"/>
@@ -42659,7 +42743,7 @@
                         </a:spcAft>
                       </a:pPr>
                       <a:r>
-                        <a:rPr lang="en-US" sz="1400">
+                        <a:rPr lang="en-US" sz="1100">
                           <a:effectLst/>
                           <a:latin typeface="+mn-lt"/>
                           <a:ea typeface="Calibri" panose="020F0502020204030204" pitchFamily="34" charset="0"/>
@@ -42677,7 +42761,7 @@
                   </a:ext>
                 </a:extLst>
               </a:tr>
-              <a:tr h="251658">
+              <a:tr h="208045">
                 <a:tc>
                   <a:txBody>
                     <a:bodyPr/>
@@ -42695,7 +42779,7 @@
                         </a:spcAft>
                       </a:pPr>
                       <a:r>
-                        <a:rPr lang="en-US" sz="1400" dirty="0">
+                        <a:rPr lang="en-US" sz="1100" dirty="0">
                           <a:effectLst/>
                           <a:latin typeface="Calibri" panose="020F0502020204030204" pitchFamily="34" charset="0"/>
                           <a:ea typeface="Calibri" panose="020F0502020204030204" pitchFamily="34" charset="0"/>
@@ -42713,12 +42797,12 @@
                     <a:lstStyle/>
                     <a:p>
                       <a:r>
-                        <a:rPr lang="en-US" sz="1400" dirty="0" err="1">
+                        <a:rPr lang="en-US" sz="1100" dirty="0" err="1">
                           <a:effectLst/>
                         </a:rPr>
                         <a:t>cnty</a:t>
                       </a:r>
-                      <a:endParaRPr lang="en-US" dirty="0"/>
+                      <a:endParaRPr lang="en-US" sz="1100" dirty="0"/>
                     </a:p>
                   </a:txBody>
                   <a:tcPr marL="86320" marR="86320" marT="0" marB="0"/>
@@ -42740,7 +42824,7 @@
                         </a:spcAft>
                       </a:pPr>
                       <a:r>
-                        <a:rPr lang="en-US" sz="1400" dirty="0">
+                        <a:rPr lang="en-US" sz="1100" dirty="0">
                           <a:effectLst/>
                           <a:latin typeface="+mn-lt"/>
                           <a:ea typeface="Calibri" panose="020F0502020204030204" pitchFamily="34" charset="0"/>
@@ -42758,7 +42842,7 @@
                   </a:ext>
                 </a:extLst>
               </a:tr>
-              <a:tr h="270981">
+              <a:tr h="231873">
                 <a:tc gridSpan="3">
                   <a:txBody>
                     <a:bodyPr/>
@@ -42776,7 +42860,7 @@
                         </a:spcAft>
                       </a:pPr>
                       <a:r>
-                        <a:rPr lang="en-US" sz="1800" dirty="0">
+                        <a:rPr lang="en-US" sz="1200" dirty="0">
                           <a:effectLst/>
                           <a:latin typeface="Calibri" panose="020F0502020204030204" pitchFamily="34" charset="0"/>
                           <a:ea typeface="Calibri" panose="020F0502020204030204" pitchFamily="34" charset="0"/>
@@ -42830,7 +42914,7 @@
                   </a:ext>
                 </a:extLst>
               </a:tr>
-              <a:tr h="306097">
+              <a:tr h="253050">
                 <a:tc>
                   <a:txBody>
                     <a:bodyPr/>
@@ -42848,7 +42932,7 @@
                         </a:spcAft>
                       </a:pPr>
                       <a:r>
-                        <a:rPr lang="en-US" sz="1400" dirty="0">
+                        <a:rPr lang="en-US" sz="1100" dirty="0">
                           <a:effectLst/>
                           <a:latin typeface="Calibri" panose="020F0502020204030204" pitchFamily="34" charset="0"/>
                           <a:ea typeface="Calibri" panose="020F0502020204030204" pitchFamily="34" charset="0"/>
@@ -42866,12 +42950,12 @@
                     <a:lstStyle/>
                     <a:p>
                       <a:r>
-                        <a:rPr lang="en-US" sz="1400">
+                        <a:rPr lang="en-US" sz="1100">
                           <a:effectLst/>
                         </a:rPr>
                         <a:t>pcnt_hisp</a:t>
                       </a:r>
-                      <a:endParaRPr lang="en-US"/>
+                      <a:endParaRPr lang="en-US" sz="1100"/>
                     </a:p>
                   </a:txBody>
                   <a:tcPr marL="86320" marR="86320" marT="0" marB="0"/>
@@ -42893,7 +42977,7 @@
                         </a:spcAft>
                       </a:pPr>
                       <a:r>
-                        <a:rPr lang="en-US" sz="1400">
+                        <a:rPr lang="en-US" sz="1100">
                           <a:effectLst/>
                           <a:latin typeface="+mn-lt"/>
                           <a:ea typeface="Calibri" panose="020F0502020204030204" pitchFamily="34" charset="0"/>
@@ -42911,7 +42995,7 @@
                   </a:ext>
                 </a:extLst>
               </a:tr>
-              <a:tr h="429217">
+              <a:tr h="354834">
                 <a:tc>
                   <a:txBody>
                     <a:bodyPr/>
@@ -42929,7 +43013,7 @@
                         </a:spcAft>
                       </a:pPr>
                       <a:r>
-                        <a:rPr lang="en-US" sz="1400" dirty="0">
+                        <a:rPr lang="en-US" sz="1100" dirty="0">
                           <a:effectLst/>
                           <a:latin typeface="Calibri" panose="020F0502020204030204" pitchFamily="34" charset="0"/>
                           <a:ea typeface="Calibri" panose="020F0502020204030204" pitchFamily="34" charset="0"/>
@@ -42947,12 +43031,12 @@
                     <a:lstStyle/>
                     <a:p>
                       <a:r>
-                        <a:rPr lang="en-US" sz="1400">
+                        <a:rPr lang="en-US" sz="1100">
                           <a:effectLst/>
                         </a:rPr>
                         <a:t>pcnt_blk</a:t>
                       </a:r>
-                      <a:endParaRPr lang="en-US" dirty="0"/>
+                      <a:endParaRPr lang="en-US" sz="1100" dirty="0"/>
                     </a:p>
                   </a:txBody>
                   <a:tcPr marL="86320" marR="86320" marT="0" marB="0"/>
@@ -42974,7 +43058,7 @@
                         </a:spcAft>
                       </a:pPr>
                       <a:r>
-                        <a:rPr lang="en-US" sz="1400" dirty="0">
+                        <a:rPr lang="en-US" sz="1100" dirty="0">
                           <a:effectLst/>
                           <a:latin typeface="+mn-lt"/>
                           <a:ea typeface="Calibri" panose="020F0502020204030204" pitchFamily="34" charset="0"/>
@@ -42992,7 +43076,7 @@
                   </a:ext>
                 </a:extLst>
               </a:tr>
-              <a:tr h="251658">
+              <a:tr h="208045">
                 <a:tc>
                   <a:txBody>
                     <a:bodyPr/>
@@ -43010,13 +43094,13 @@
                         </a:spcAft>
                       </a:pPr>
                       <a:r>
-                        <a:rPr lang="en-US" sz="1400" dirty="0">
+                        <a:rPr lang="en-US" sz="1100" dirty="0">
                           <a:effectLst/>
                           <a:latin typeface="Calibri" panose="020F0502020204030204" pitchFamily="34" charset="0"/>
                           <a:ea typeface="Calibri" panose="020F0502020204030204" pitchFamily="34" charset="0"/>
                           <a:cs typeface="Times New Roman" panose="02020603050405020304" pitchFamily="18" charset="0"/>
                         </a:rPr>
-                        <a:t>% Rural</a:t>
+                        <a:t>% pop in rural community</a:t>
                       </a:r>
                     </a:p>
                   </a:txBody>
@@ -43028,12 +43112,12 @@
                     <a:lstStyle/>
                     <a:p>
                       <a:r>
-                        <a:rPr lang="en-US" sz="1400">
+                        <a:rPr lang="en-US" sz="1100">
                           <a:effectLst/>
                         </a:rPr>
                         <a:t>pcnt_rural</a:t>
                       </a:r>
-                      <a:endParaRPr lang="en-US" dirty="0"/>
+                      <a:endParaRPr lang="en-US" sz="1100" dirty="0"/>
                     </a:p>
                   </a:txBody>
                   <a:tcPr marL="86320" marR="86320" marT="0" marB="0"/>
@@ -43055,7 +43139,7 @@
                         </a:spcAft>
                       </a:pPr>
                       <a:r>
-                        <a:rPr lang="en-US" sz="1400">
+                        <a:rPr lang="en-US" sz="1100">
                           <a:effectLst/>
                           <a:latin typeface="+mn-lt"/>
                           <a:ea typeface="Calibri" panose="020F0502020204030204" pitchFamily="34" charset="0"/>
@@ -43073,7 +43157,7 @@
                   </a:ext>
                 </a:extLst>
               </a:tr>
-              <a:tr h="251658">
+              <a:tr h="208045">
                 <a:tc>
                   <a:txBody>
                     <a:bodyPr/>
@@ -43091,7 +43175,7 @@
                         </a:spcAft>
                       </a:pPr>
                       <a:r>
-                        <a:rPr lang="en-US" sz="1400" dirty="0">
+                        <a:rPr lang="en-US" sz="1100" dirty="0">
                           <a:effectLst/>
                           <a:latin typeface="Calibri" panose="020F0502020204030204" pitchFamily="34" charset="0"/>
                           <a:ea typeface="Calibri" panose="020F0502020204030204" pitchFamily="34" charset="0"/>
@@ -43109,12 +43193,12 @@
                     <a:lstStyle/>
                     <a:p>
                       <a:r>
-                        <a:rPr lang="en-US" sz="1400" dirty="0" err="1">
+                        <a:rPr lang="en-US" sz="1100" dirty="0" err="1">
                           <a:effectLst/>
                         </a:rPr>
                         <a:t>pcnt_sr</a:t>
                       </a:r>
-                      <a:endParaRPr lang="en-US" dirty="0"/>
+                      <a:endParaRPr lang="en-US" sz="1100" dirty="0"/>
                     </a:p>
                   </a:txBody>
                   <a:tcPr marL="86320" marR="86320" marT="0" marB="0"/>
@@ -43136,7 +43220,7 @@
                         </a:spcAft>
                       </a:pPr>
                       <a:r>
-                        <a:rPr lang="en-US" sz="1400" dirty="0">
+                        <a:rPr lang="en-US" sz="1100" dirty="0">
                           <a:effectLst/>
                           <a:latin typeface="+mn-lt"/>
                           <a:ea typeface="Calibri" panose="020F0502020204030204" pitchFamily="34" charset="0"/>
@@ -43154,7 +43238,79 @@
                   </a:ext>
                 </a:extLst>
               </a:tr>
-              <a:tr h="270981">
+              <a:tr h="226781">
+                <a:tc>
+                  <a:txBody>
+                    <a:bodyPr/>
+                    <a:lstStyle/>
+                    <a:p>
+                      <a:pPr marL="0" marR="0">
+                        <a:lnSpc>
+                          <a:spcPct val="107000"/>
+                        </a:lnSpc>
+                        <a:spcBef>
+                          <a:spcPts val="0"/>
+                        </a:spcBef>
+                        <a:spcAft>
+                          <a:spcPts val="0"/>
+                        </a:spcAft>
+                      </a:pPr>
+                      <a:r>
+                        <a:rPr lang="en-US" sz="1100" dirty="0">
+                          <a:effectLst/>
+                          <a:latin typeface="Calibri" panose="020F0502020204030204" pitchFamily="34" charset="0"/>
+                          <a:ea typeface="Calibri" panose="020F0502020204030204" pitchFamily="34" charset="0"/>
+                          <a:cs typeface="Times New Roman" panose="02020603050405020304" pitchFamily="18" charset="0"/>
+                        </a:rPr>
+                        <a:t>%pop attended some college</a:t>
+                      </a:r>
+                    </a:p>
+                  </a:txBody>
+                  <a:tcPr marL="86320" marR="86320" marT="0" marB="0"/>
+                </a:tc>
+                <a:tc>
+                  <a:txBody>
+                    <a:bodyPr/>
+                    <a:lstStyle/>
+                    <a:p>
+                      <a:endParaRPr lang="en-US" sz="1100" dirty="0"/>
+                    </a:p>
+                  </a:txBody>
+                  <a:tcPr marL="86320" marR="86320" marT="0" marB="0"/>
+                </a:tc>
+                <a:tc>
+                  <a:txBody>
+                    <a:bodyPr/>
+                    <a:lstStyle/>
+                    <a:p>
+                      <a:pPr marL="0" marR="0">
+                        <a:lnSpc>
+                          <a:spcPct val="107000"/>
+                        </a:lnSpc>
+                        <a:spcBef>
+                          <a:spcPts val="0"/>
+                        </a:spcBef>
+                        <a:spcAft>
+                          <a:spcPts val="0"/>
+                        </a:spcAft>
+                      </a:pPr>
+                      <a:endParaRPr lang="en-US" sz="1100" dirty="0">
+                        <a:effectLst/>
+                        <a:latin typeface="+mn-lt"/>
+                        <a:ea typeface="Calibri" panose="020F0502020204030204" pitchFamily="34" charset="0"/>
+                        <a:cs typeface="Times New Roman" panose="02020603050405020304" pitchFamily="18" charset="0"/>
+                      </a:endParaRPr>
+                    </a:p>
+                  </a:txBody>
+                  <a:tcPr marL="68580" marR="68580" marT="0" marB="0"/>
+                </a:tc>
+                <a:extLst>
+                  <a:ext uri="{0D108BD9-81ED-4DB2-BD59-A6C34878D82A}">
+                    <a16:rowId xmlns:a16="http://schemas.microsoft.com/office/drawing/2014/main" val="2506637242"/>
+                  </a:ext>
+                </a:extLst>
+              </a:tr>
+              <a:tr h="231873">
                 <a:tc gridSpan="3">
                   <a:txBody>
                     <a:bodyPr/>
@@ -43172,7 +43328,7 @@
                         </a:spcAft>
                       </a:pPr>
                       <a:r>
-                        <a:rPr lang="en-US" sz="1800" dirty="0">
+                        <a:rPr lang="en-US" sz="1200" dirty="0">
                           <a:effectLst/>
                           <a:latin typeface="Calibri" panose="020F0502020204030204" pitchFamily="34" charset="0"/>
                           <a:ea typeface="Calibri" panose="020F0502020204030204" pitchFamily="34" charset="0"/>
@@ -43226,7 +43382,7 @@
                   </a:ext>
                 </a:extLst>
               </a:tr>
-              <a:tr h="251658">
+              <a:tr h="208045">
                 <a:tc>
                   <a:txBody>
                     <a:bodyPr/>
@@ -43244,7 +43400,7 @@
                         </a:spcAft>
                       </a:pPr>
                       <a:r>
-                        <a:rPr lang="en-US" sz="1400" dirty="0">
+                        <a:rPr lang="en-US" sz="1100" dirty="0">
                           <a:effectLst/>
                           <a:latin typeface="Calibri" panose="020F0502020204030204" pitchFamily="34" charset="0"/>
                           <a:ea typeface="Calibri" panose="020F0502020204030204" pitchFamily="34" charset="0"/>
@@ -43262,12 +43418,12 @@
                     <a:lstStyle/>
                     <a:p>
                       <a:r>
-                        <a:rPr lang="en-US" sz="1400">
+                        <a:rPr lang="en-US" sz="1100">
                           <a:effectLst/>
                         </a:rPr>
                         <a:t>pcnt_unemp</a:t>
                       </a:r>
-                      <a:endParaRPr lang="en-US"/>
+                      <a:endParaRPr lang="en-US" sz="1100"/>
                     </a:p>
                   </a:txBody>
                   <a:tcPr marL="86320" marR="86320" marT="0" marB="0"/>
@@ -43289,7 +43445,7 @@
                         </a:spcAft>
                       </a:pPr>
                       <a:r>
-                        <a:rPr lang="en-US" sz="1400">
+                        <a:rPr lang="en-US" sz="1100">
                           <a:effectLst/>
                           <a:latin typeface="+mn-lt"/>
                           <a:ea typeface="Calibri" panose="020F0502020204030204" pitchFamily="34" charset="0"/>
@@ -43307,7 +43463,7 @@
                   </a:ext>
                 </a:extLst>
               </a:tr>
-              <a:tr h="417481">
+              <a:tr h="345132">
                 <a:tc>
                   <a:txBody>
                     <a:bodyPr/>
@@ -43325,7 +43481,7 @@
                         </a:spcAft>
                       </a:pPr>
                       <a:r>
-                        <a:rPr lang="en-US" sz="1400" dirty="0">
+                        <a:rPr lang="en-US" sz="1100" dirty="0">
                           <a:effectLst/>
                           <a:latin typeface="Calibri" panose="020F0502020204030204" pitchFamily="34" charset="0"/>
                           <a:ea typeface="Calibri" panose="020F0502020204030204" pitchFamily="34" charset="0"/>
@@ -43343,12 +43499,12 @@
                     <a:lstStyle/>
                     <a:p>
                       <a:r>
-                        <a:rPr lang="en-US" sz="1400">
+                        <a:rPr lang="en-US" sz="1100">
                           <a:effectLst/>
                         </a:rPr>
                         <a:t>pcnt_pov</a:t>
                       </a:r>
-                      <a:endParaRPr lang="en-US" dirty="0"/>
+                      <a:endParaRPr lang="en-US" sz="1100" dirty="0"/>
                     </a:p>
                   </a:txBody>
                   <a:tcPr marL="86320" marR="86320" marT="0" marB="0"/>
@@ -43370,7 +43526,7 @@
                         </a:spcAft>
                       </a:pPr>
                       <a:r>
-                        <a:rPr lang="en-US" sz="1400">
+                        <a:rPr lang="en-US" sz="1100">
                           <a:effectLst/>
                           <a:latin typeface="+mn-lt"/>
                           <a:ea typeface="Calibri" panose="020F0502020204030204" pitchFamily="34" charset="0"/>
@@ -43388,7 +43544,7 @@
                   </a:ext>
                 </a:extLst>
               </a:tr>
-              <a:tr h="429217">
+              <a:tr h="354834">
                 <a:tc>
                   <a:txBody>
                     <a:bodyPr/>
@@ -43406,7 +43562,7 @@
                         </a:spcAft>
                       </a:pPr>
                       <a:r>
-                        <a:rPr lang="en-US" sz="1400" dirty="0">
+                        <a:rPr lang="en-US" sz="1100" dirty="0">
                           <a:effectLst/>
                           <a:latin typeface="Calibri" panose="020F0502020204030204" pitchFamily="34" charset="0"/>
                           <a:ea typeface="Calibri" panose="020F0502020204030204" pitchFamily="34" charset="0"/>
@@ -43424,12 +43580,12 @@
                     <a:lstStyle/>
                     <a:p>
                       <a:r>
-                        <a:rPr lang="en-US" sz="1400">
+                        <a:rPr lang="en-US" sz="1100">
                           <a:effectLst/>
                         </a:rPr>
                         <a:t>pcnt_income</a:t>
                       </a:r>
-                      <a:endParaRPr lang="en-US" dirty="0"/>
+                      <a:endParaRPr lang="en-US" sz="1100" dirty="0"/>
                     </a:p>
                   </a:txBody>
                   <a:tcPr marL="86320" marR="86320" marT="0" marB="0"/>
@@ -43451,7 +43607,7 @@
                         </a:spcAft>
                       </a:pPr>
                       <a:r>
-                        <a:rPr lang="en-US" sz="1400">
+                        <a:rPr lang="en-US" sz="1100">
                           <a:effectLst/>
                           <a:latin typeface="+mn-lt"/>
                           <a:ea typeface="Calibri" panose="020F0502020204030204" pitchFamily="34" charset="0"/>
@@ -43469,7 +43625,7 @@
                   </a:ext>
                 </a:extLst>
               </a:tr>
-              <a:tr h="429217">
+              <a:tr h="354834">
                 <a:tc>
                   <a:txBody>
                     <a:bodyPr/>
@@ -43487,7 +43643,7 @@
                         </a:spcAft>
                       </a:pPr>
                       <a:r>
-                        <a:rPr lang="en-US" sz="1400" dirty="0">
+                        <a:rPr lang="en-US" sz="1100" dirty="0">
                           <a:effectLst/>
                           <a:latin typeface="Calibri" panose="020F0502020204030204" pitchFamily="34" charset="0"/>
                           <a:ea typeface="Calibri" panose="020F0502020204030204" pitchFamily="34" charset="0"/>
@@ -43505,12 +43661,12 @@
                     <a:lstStyle/>
                     <a:p>
                       <a:r>
-                        <a:rPr lang="en-US" sz="1400" dirty="0" err="1">
+                        <a:rPr lang="en-US" sz="1100" dirty="0" err="1">
                           <a:effectLst/>
                         </a:rPr>
                         <a:t>pcnt_own</a:t>
                       </a:r>
-                      <a:endParaRPr lang="en-US" dirty="0"/>
+                      <a:endParaRPr lang="en-US" sz="1100" dirty="0"/>
                     </a:p>
                   </a:txBody>
                   <a:tcPr marL="86320" marR="86320" marT="0" marB="0"/>
@@ -43532,7 +43688,7 @@
                         </a:spcAft>
                       </a:pPr>
                       <a:r>
-                        <a:rPr lang="en-US" sz="1400" dirty="0">
+                        <a:rPr lang="en-US" sz="1100" dirty="0">
                           <a:effectLst/>
                           <a:latin typeface="+mn-lt"/>
                           <a:ea typeface="Calibri" panose="020F0502020204030204" pitchFamily="34" charset="0"/>
@@ -43550,7 +43706,7 @@
                   </a:ext>
                 </a:extLst>
               </a:tr>
-              <a:tr h="269642">
+              <a:tr h="231873">
                 <a:tc gridSpan="3">
                   <a:txBody>
                     <a:bodyPr/>
@@ -43568,7 +43724,7 @@
                         </a:spcAft>
                       </a:pPr>
                       <a:r>
-                        <a:rPr lang="en-US" sz="1800" dirty="0">
+                        <a:rPr lang="en-US" sz="1200" dirty="0">
                           <a:effectLst/>
                           <a:latin typeface="Calibri" panose="020F0502020204030204" pitchFamily="34" charset="0"/>
                           <a:ea typeface="Calibri" panose="020F0502020204030204" pitchFamily="34" charset="0"/>
@@ -43622,7 +43778,7 @@
                   </a:ext>
                 </a:extLst>
               </a:tr>
-              <a:tr h="429217">
+              <a:tr h="382972">
                 <a:tc>
                   <a:txBody>
                     <a:bodyPr/>
@@ -43640,7 +43796,7 @@
                         </a:spcAft>
                       </a:pPr>
                       <a:r>
-                        <a:rPr lang="en-US" sz="1400" dirty="0">
+                        <a:rPr lang="en-US" sz="1200" dirty="0">
                           <a:effectLst/>
                           <a:latin typeface="Calibri" panose="020F0502020204030204" pitchFamily="34" charset="0"/>
                           <a:ea typeface="Calibri" panose="020F0502020204030204" pitchFamily="34" charset="0"/>
@@ -43669,12 +43825,12 @@
                         </a:spcAft>
                       </a:pPr>
                       <a:r>
-                        <a:rPr lang="en-US" sz="1400">
+                        <a:rPr lang="en-US" sz="1200" dirty="0" err="1">
                           <a:effectLst/>
                         </a:rPr>
                         <a:t>pcnt_lw_access</a:t>
                       </a:r>
-                      <a:endParaRPr lang="en-US" sz="1400" dirty="0">
+                      <a:endParaRPr lang="en-US" sz="1200" dirty="0">
                         <a:effectLst/>
                         <a:latin typeface="Calibri" panose="020F0502020204030204" pitchFamily="34" charset="0"/>
                         <a:ea typeface="Calibri" panose="020F0502020204030204" pitchFamily="34" charset="0"/>
@@ -43701,7 +43857,7 @@
                         </a:spcAft>
                       </a:pPr>
                       <a:r>
-                        <a:rPr lang="en-US" sz="1400">
+                        <a:rPr lang="en-US" sz="1200">
                           <a:effectLst/>
                           <a:latin typeface="+mn-lt"/>
                           <a:ea typeface="Calibri" panose="020F0502020204030204" pitchFamily="34" charset="0"/>
@@ -43719,7 +43875,7 @@
                   </a:ext>
                 </a:extLst>
               </a:tr>
-              <a:tr h="251658">
+              <a:tr h="208045">
                 <a:tc>
                   <a:txBody>
                     <a:bodyPr/>
@@ -43737,7 +43893,7 @@
                         </a:spcAft>
                       </a:pPr>
                       <a:r>
-                        <a:rPr lang="en-US" sz="1400" dirty="0">
+                        <a:rPr lang="en-US" sz="1200" dirty="0">
                           <a:effectLst/>
                           <a:latin typeface="Calibri" panose="020F0502020204030204" pitchFamily="34" charset="0"/>
                           <a:ea typeface="Calibri" panose="020F0502020204030204" pitchFamily="34" charset="0"/>
@@ -43766,12 +43922,12 @@
                         </a:spcAft>
                       </a:pPr>
                       <a:r>
-                        <a:rPr lang="en-US" sz="1400">
+                        <a:rPr lang="en-US" sz="1200">
                           <a:effectLst/>
                         </a:rPr>
                         <a:t>pcnt_obese</a:t>
                       </a:r>
-                      <a:endParaRPr lang="en-US" sz="1400" dirty="0">
+                      <a:endParaRPr lang="en-US" sz="1200" dirty="0">
                         <a:effectLst/>
                         <a:latin typeface="Calibri" panose="020F0502020204030204" pitchFamily="34" charset="0"/>
                         <a:ea typeface="Calibri" panose="020F0502020204030204" pitchFamily="34" charset="0"/>
@@ -43798,7 +43954,7 @@
                         </a:spcAft>
                       </a:pPr>
                       <a:r>
-                        <a:rPr lang="en-US" sz="1400">
+                        <a:rPr lang="en-US" sz="1200">
                           <a:effectLst/>
                           <a:latin typeface="+mn-lt"/>
                           <a:ea typeface="Calibri" panose="020F0502020204030204" pitchFamily="34" charset="0"/>
@@ -43816,7 +43972,7 @@
                   </a:ext>
                 </a:extLst>
               </a:tr>
-              <a:tr h="428118">
+              <a:tr h="381955">
                 <a:tc>
                   <a:txBody>
                     <a:bodyPr/>
@@ -43834,7 +43990,7 @@
                         </a:spcAft>
                       </a:pPr>
                       <a:r>
-                        <a:rPr lang="en-US" sz="1400" dirty="0">
+                        <a:rPr lang="en-US" sz="1200" dirty="0">
                           <a:effectLst/>
                           <a:latin typeface="Calibri" panose="020F0502020204030204" pitchFamily="34" charset="0"/>
                           <a:ea typeface="Calibri" panose="020F0502020204030204" pitchFamily="34" charset="0"/>
@@ -43863,12 +44019,12 @@
                         </a:spcAft>
                       </a:pPr>
                       <a:r>
-                        <a:rPr lang="en-US" sz="1400">
+                        <a:rPr lang="en-US" sz="1200">
                           <a:effectLst/>
                         </a:rPr>
                         <a:t>food_insec or food_rank</a:t>
                       </a:r>
-                      <a:endParaRPr lang="en-US" sz="1400" dirty="0">
+                      <a:endParaRPr lang="en-US" sz="1200" dirty="0">
                         <a:effectLst/>
                         <a:latin typeface="Calibri" panose="020F0502020204030204" pitchFamily="34" charset="0"/>
                         <a:ea typeface="Calibri" panose="020F0502020204030204" pitchFamily="34" charset="0"/>
@@ -43895,7 +44051,7 @@
                         </a:spcAft>
                       </a:pPr>
                       <a:r>
-                        <a:rPr lang="en-US" sz="1400">
+                        <a:rPr lang="en-US" sz="1200" dirty="0">
                           <a:effectLst/>
                           <a:latin typeface="+mn-lt"/>
                           <a:ea typeface="Calibri" panose="020F0502020204030204" pitchFamily="34" charset="0"/>
@@ -43913,7 +44069,7 @@
                   </a:ext>
                 </a:extLst>
               </a:tr>
-              <a:tr h="251658">
+              <a:tr h="208045">
                 <a:tc>
                   <a:txBody>
                     <a:bodyPr/>
@@ -43931,7 +44087,7 @@
                         </a:spcAft>
                       </a:pPr>
                       <a:r>
-                        <a:rPr lang="en-US" sz="1400" dirty="0">
+                        <a:rPr lang="en-US" sz="1200" dirty="0">
                           <a:effectLst/>
                           <a:latin typeface="Calibri" panose="020F0502020204030204" pitchFamily="34" charset="0"/>
                           <a:ea typeface="Calibri" panose="020F0502020204030204" pitchFamily="34" charset="0"/>
@@ -43960,12 +44116,12 @@
                         </a:spcAft>
                       </a:pPr>
                       <a:r>
-                        <a:rPr lang="en-US" sz="1400" dirty="0" err="1">
+                        <a:rPr lang="en-US" sz="1200" dirty="0" err="1">
                           <a:effectLst/>
                         </a:rPr>
                         <a:t>pcnt_uninsured</a:t>
                       </a:r>
-                      <a:endParaRPr lang="en-US" sz="1400" dirty="0">
+                      <a:endParaRPr lang="en-US" sz="1200" dirty="0">
                         <a:effectLst/>
                         <a:latin typeface="Calibri" panose="020F0502020204030204" pitchFamily="34" charset="0"/>
                         <a:ea typeface="Calibri" panose="020F0502020204030204" pitchFamily="34" charset="0"/>
@@ -43992,7 +44148,7 @@
                         </a:spcAft>
                       </a:pPr>
                       <a:r>
-                        <a:rPr lang="en-US" sz="1400" dirty="0">
+                        <a:rPr lang="en-US" sz="1200" dirty="0">
                           <a:effectLst/>
                           <a:latin typeface="+mn-lt"/>
                           <a:ea typeface="Calibri" panose="020F0502020204030204" pitchFamily="34" charset="0"/>
@@ -44010,6 +44166,226 @@
                   </a:ext>
                 </a:extLst>
               </a:tr>
+              <a:tr h="218297">
+                <a:tc gridSpan="3">
+                  <a:txBody>
+                    <a:bodyPr/>
+                    <a:lstStyle/>
+                    <a:p>
+                      <a:pPr marL="0" marR="0" algn="ctr">
+                        <a:lnSpc>
+                          <a:spcPct val="107000"/>
+                        </a:lnSpc>
+                        <a:spcBef>
+                          <a:spcPts val="0"/>
+                        </a:spcBef>
+                        <a:spcAft>
+                          <a:spcPts val="0"/>
+                        </a:spcAft>
+                      </a:pPr>
+                      <a:r>
+                        <a:rPr lang="en-US" sz="1200" dirty="0">
+                          <a:effectLst/>
+                          <a:latin typeface="Calibri" panose="020F0502020204030204" pitchFamily="34" charset="0"/>
+                          <a:ea typeface="Calibri" panose="020F0502020204030204" pitchFamily="34" charset="0"/>
+                          <a:cs typeface="Times New Roman" panose="02020603050405020304" pitchFamily="18" charset="0"/>
+                        </a:rPr>
+                        <a:t>Control Variable and Dummy</a:t>
+                      </a:r>
+                    </a:p>
+                  </a:txBody>
+                  <a:tcPr marL="86320" marR="86320" marT="0" marB="0"/>
+                </a:tc>
+                <a:tc hMerge="1">
+                  <a:txBody>
+                    <a:bodyPr/>
+                    <a:lstStyle/>
+                    <a:p>
+                      <a:pPr marL="0" marR="0">
+                        <a:lnSpc>
+                          <a:spcPct val="107000"/>
+                        </a:lnSpc>
+                        <a:spcBef>
+                          <a:spcPts val="0"/>
+                        </a:spcBef>
+                        <a:spcAft>
+                          <a:spcPts val="0"/>
+                        </a:spcAft>
+                      </a:pPr>
+                      <a:endParaRPr lang="en-US" sz="1400" dirty="0">
+                        <a:effectLst/>
+                        <a:latin typeface="Calibri" panose="020F0502020204030204" pitchFamily="34" charset="0"/>
+                        <a:ea typeface="Calibri" panose="020F0502020204030204" pitchFamily="34" charset="0"/>
+                        <a:cs typeface="Times New Roman" panose="02020603050405020304" pitchFamily="18" charset="0"/>
+                      </a:endParaRPr>
+                    </a:p>
+                  </a:txBody>
+                  <a:tcPr marL="86320" marR="86320" marT="0" marB="0"/>
+                </a:tc>
+                <a:tc hMerge="1">
+                  <a:txBody>
+                    <a:bodyPr/>
+                    <a:lstStyle/>
+                    <a:p>
+                      <a:pPr marL="0" marR="0">
+                        <a:lnSpc>
+                          <a:spcPct val="107000"/>
+                        </a:lnSpc>
+                        <a:spcBef>
+                          <a:spcPts val="0"/>
+                        </a:spcBef>
+                        <a:spcAft>
+                          <a:spcPts val="0"/>
+                        </a:spcAft>
+                      </a:pPr>
+                      <a:endParaRPr lang="en-US" sz="1400" dirty="0">
+                        <a:effectLst/>
+                        <a:latin typeface="+mn-lt"/>
+                        <a:ea typeface="Calibri" panose="020F0502020204030204" pitchFamily="34" charset="0"/>
+                        <a:cs typeface="Times New Roman" panose="02020603050405020304" pitchFamily="18" charset="0"/>
+                      </a:endParaRPr>
+                    </a:p>
+                  </a:txBody>
+                  <a:tcPr marL="68580" marR="68580" marT="0" marB="0"/>
+                </a:tc>
+                <a:extLst>
+                  <a:ext uri="{0D108BD9-81ED-4DB2-BD59-A6C34878D82A}">
+                    <a16:rowId xmlns:a16="http://schemas.microsoft.com/office/drawing/2014/main" val="419203246"/>
+                  </a:ext>
+                </a:extLst>
+              </a:tr>
+              <a:tr h="351016">
+                <a:tc>
+                  <a:txBody>
+                    <a:bodyPr/>
+                    <a:lstStyle/>
+                    <a:p>
+                      <a:pPr marL="0" marR="0" algn="ctr">
+                        <a:lnSpc>
+                          <a:spcPct val="107000"/>
+                        </a:lnSpc>
+                        <a:spcBef>
+                          <a:spcPts val="0"/>
+                        </a:spcBef>
+                        <a:spcAft>
+                          <a:spcPts val="0"/>
+                        </a:spcAft>
+                      </a:pPr>
+                      <a:r>
+                        <a:rPr lang="en-US" sz="1100" dirty="0">
+                          <a:effectLst/>
+                          <a:latin typeface="Calibri" panose="020F0502020204030204" pitchFamily="34" charset="0"/>
+                          <a:ea typeface="Calibri" panose="020F0502020204030204" pitchFamily="34" charset="0"/>
+                          <a:cs typeface="Times New Roman" panose="02020603050405020304" pitchFamily="18" charset="0"/>
+                        </a:rPr>
+                        <a:t>County is one of 32 Texas-Mexico border counties=1, If not=0</a:t>
+                      </a:r>
+                    </a:p>
+                  </a:txBody>
+                  <a:tcPr marL="86320" marR="86320" marT="0" marB="0"/>
+                </a:tc>
+                <a:tc>
+                  <a:txBody>
+                    <a:bodyPr/>
+                    <a:lstStyle/>
+                    <a:p>
+                      <a:r>
+                        <a:rPr lang="en-US" sz="1100" dirty="0" err="1"/>
+                        <a:t>Brdr_cnty</a:t>
+                      </a:r>
+                      <a:endParaRPr lang="en-US" sz="1100" dirty="0"/>
+                    </a:p>
+                  </a:txBody>
+                  <a:tcPr marL="86320" marR="86320" marT="0" marB="0"/>
+                </a:tc>
+                <a:tc>
+                  <a:txBody>
+                    <a:bodyPr/>
+                    <a:lstStyle/>
+                    <a:p>
+                      <a:r>
+                        <a:rPr lang="en-US" sz="1100" dirty="0">
+                          <a:effectLst/>
+                          <a:latin typeface="Calibri" panose="020F0502020204030204" pitchFamily="34" charset="0"/>
+                          <a:ea typeface="Calibri" panose="020F0502020204030204" pitchFamily="34" charset="0"/>
+                          <a:cs typeface="Times New Roman" panose="02020603050405020304" pitchFamily="18" charset="0"/>
+                        </a:rPr>
+                        <a:t>nominal, factor (value 0 or 1)</a:t>
+                      </a:r>
+                      <a:endParaRPr lang="en-US" sz="1100" dirty="0"/>
+                    </a:p>
+                  </a:txBody>
+                  <a:tcPr marL="86320" marR="86320" marT="0" marB="0"/>
+                </a:tc>
+                <a:extLst>
+                  <a:ext uri="{0D108BD9-81ED-4DB2-BD59-A6C34878D82A}">
+                    <a16:rowId xmlns:a16="http://schemas.microsoft.com/office/drawing/2014/main" val="3296784001"/>
+                  </a:ext>
+                </a:extLst>
+              </a:tr>
+              <a:tr h="351016">
+                <a:tc>
+                  <a:txBody>
+                    <a:bodyPr/>
+                    <a:lstStyle/>
+                    <a:p>
+                      <a:pPr marL="0" marR="0" algn="ctr">
+                        <a:lnSpc>
+                          <a:spcPct val="107000"/>
+                        </a:lnSpc>
+                        <a:spcBef>
+                          <a:spcPts val="0"/>
+                        </a:spcBef>
+                        <a:spcAft>
+                          <a:spcPts val="0"/>
+                        </a:spcAft>
+                      </a:pPr>
+                      <a:r>
+                        <a:rPr lang="en-US" sz="1100" dirty="0">
+                          <a:effectLst/>
+                          <a:latin typeface="Calibri" panose="020F0502020204030204" pitchFamily="34" charset="0"/>
+                          <a:ea typeface="Calibri" panose="020F0502020204030204" pitchFamily="34" charset="0"/>
+                          <a:cs typeface="Times New Roman" panose="02020603050405020304" pitchFamily="18" charset="0"/>
+                        </a:rPr>
+                        <a:t>Median age of the residential structures in the county</a:t>
+                      </a:r>
+                    </a:p>
+                  </a:txBody>
+                  <a:tcPr marL="86320" marR="86320" marT="0" marB="0"/>
+                </a:tc>
+                <a:tc>
+                  <a:txBody>
+                    <a:bodyPr/>
+                    <a:lstStyle/>
+                    <a:p>
+                      <a:r>
+                        <a:rPr lang="en-US" sz="1100" dirty="0" err="1"/>
+                        <a:t>House_str_age</a:t>
+                      </a:r>
+                      <a:endParaRPr lang="en-US" sz="1100" dirty="0"/>
+                    </a:p>
+                  </a:txBody>
+                  <a:tcPr marL="86320" marR="86320" marT="0" marB="0"/>
+                </a:tc>
+                <a:tc>
+                  <a:txBody>
+                    <a:bodyPr/>
+                    <a:lstStyle/>
+                    <a:p>
+                      <a:r>
+                        <a:rPr lang="en-US" sz="1100" dirty="0"/>
+                        <a:t>Continuous, numerical</a:t>
+                      </a:r>
+                    </a:p>
+                  </a:txBody>
+                  <a:tcPr marL="86320" marR="86320" marT="0" marB="0"/>
+                </a:tc>
+                <a:extLst>
+                  <a:ext uri="{0D108BD9-81ED-4DB2-BD59-A6C34878D82A}">
+                    <a16:rowId xmlns:a16="http://schemas.microsoft.com/office/drawing/2014/main" val="4006590827"/>
+                  </a:ext>
+                </a:extLst>
+              </a:tr>
             </a:tbl>
           </a:graphicData>
         </a:graphic>
@@ -44028,7 +44404,7 @@
         </p:nvSpPr>
         <p:spPr>
           <a:xfrm>
-            <a:off x="2607659" y="468094"/>
+            <a:off x="2677873" y="422185"/>
             <a:ext cx="1394207" cy="646331"/>
           </a:xfrm>
           <a:prstGeom prst="rect">
@@ -44065,10 +44441,10 @@
       </p:sp>
       <p:grpSp>
         <p:nvGrpSpPr>
-          <p:cNvPr id="10" name="Group 9">
+          <p:cNvPr id="8" name="Group 7">
             <a:extLst>
               <a:ext uri="{FF2B5EF4-FFF2-40B4-BE49-F238E27FC236}">
-                <a16:creationId xmlns:a16="http://schemas.microsoft.com/office/drawing/2014/main" id="{506FB661-FE6A-4424-A78F-42A6070E9FDC}"/>
+                <a16:creationId xmlns:a16="http://schemas.microsoft.com/office/drawing/2014/main" id="{910E8003-A91A-42E5-AE90-63EB2717E2E2}"/>
               </a:ext>
             </a:extLst>
           </p:cNvPr>
@@ -44077,248 +44453,8 @@
         </p:nvGrpSpPr>
         <p:grpSpPr>
           <a:xfrm>
-            <a:off x="1769253" y="1665779"/>
-            <a:ext cx="2888767" cy="4915240"/>
-            <a:chOff x="2427468" y="1698286"/>
-            <a:chExt cx="2888767" cy="4915240"/>
-          </a:xfrm>
-        </p:grpSpPr>
-        <p:pic>
-          <p:nvPicPr>
-            <p:cNvPr id="33" name="Picture 32">
-              <a:extLst>
-                <a:ext uri="{FF2B5EF4-FFF2-40B4-BE49-F238E27FC236}">
-                  <a16:creationId xmlns:a16="http://schemas.microsoft.com/office/drawing/2014/main" id="{57878C3A-5C08-4390-BE03-A8905BB16348}"/>
-                </a:ext>
-              </a:extLst>
-            </p:cNvPr>
-            <p:cNvPicPr>
-              <a:picLocks noChangeAspect="1"/>
-            </p:cNvPicPr>
-            <p:nvPr/>
-          </p:nvPicPr>
-          <p:blipFill rotWithShape="1">
-            <a:blip r:embed="rId2">
-              <a:extLst>
-                <a:ext uri="{837473B0-CC2E-450A-ABE3-18F120FF3D39}">
-                  <a1611:picAttrSrcUrl xmlns:a1611="http://schemas.microsoft.com/office/drawing/2016/11/main" r:id="rId3"/>
-                </a:ext>
-              </a:extLst>
-            </a:blip>
-            <a:srcRect l="20739" t="16194" r="27636" b="23011"/>
-            <a:stretch/>
-          </p:blipFill>
-          <p:spPr>
-            <a:xfrm>
-              <a:off x="2454714" y="5163674"/>
-              <a:ext cx="1459563" cy="1449852"/>
-            </a:xfrm>
-            <a:prstGeom prst="ellipse">
-              <a:avLst/>
-            </a:prstGeom>
-            <a:ln w="63500" cap="rnd">
-              <a:solidFill>
-                <a:srgbClr val="333333"/>
-              </a:solidFill>
-            </a:ln>
-            <a:effectLst/>
-            <a:scene3d>
-              <a:camera prst="orthographicFront"/>
-              <a:lightRig rig="contrasting" dir="t">
-                <a:rot lat="0" lon="0" rev="3000000"/>
-              </a:lightRig>
-            </a:scene3d>
-            <a:sp3d contourW="7620">
-              <a:bevelT w="95250" h="31750"/>
-              <a:contourClr>
-                <a:srgbClr val="333333"/>
-              </a:contourClr>
-            </a:sp3d>
-          </p:spPr>
-        </p:pic>
-        <p:pic>
-          <p:nvPicPr>
-            <p:cNvPr id="34" name="Picture 2" descr="Image result for energy burden">
-              <a:extLst>
-                <a:ext uri="{FF2B5EF4-FFF2-40B4-BE49-F238E27FC236}">
-                  <a16:creationId xmlns:a16="http://schemas.microsoft.com/office/drawing/2014/main" id="{95660E83-A053-49E6-8F61-B4FA8AFF8937}"/>
-                </a:ext>
-              </a:extLst>
-            </p:cNvPr>
-            <p:cNvPicPr>
-              <a:picLocks noChangeAspect="1" noChangeArrowheads="1"/>
-            </p:cNvPicPr>
-            <p:nvPr/>
-          </p:nvPicPr>
-          <p:blipFill>
-            <a:blip r:embed="rId4">
-              <a:extLst>
-                <a:ext uri="{28A0092B-C50C-407E-A947-70E740481C1C}">
-                  <a14:useLocalDpi xmlns:a14="http://schemas.microsoft.com/office/drawing/2010/main" val="0"/>
-                </a:ext>
-              </a:extLst>
-            </a:blip>
-            <a:srcRect/>
-            <a:stretch>
-              <a:fillRect/>
-            </a:stretch>
-          </p:blipFill>
-          <p:spPr bwMode="auto">
-            <a:xfrm>
-              <a:off x="2427468" y="3459384"/>
-              <a:ext cx="1489842" cy="1325218"/>
-            </a:xfrm>
-            <a:prstGeom prst="ellipse">
-              <a:avLst/>
-            </a:prstGeom>
-            <a:ln w="63500" cap="rnd">
-              <a:solidFill>
-                <a:srgbClr val="333333"/>
-              </a:solidFill>
-            </a:ln>
-            <a:effectLst/>
-            <a:scene3d>
-              <a:camera prst="orthographicFront"/>
-              <a:lightRig rig="contrasting" dir="t">
-                <a:rot lat="0" lon="0" rev="3000000"/>
-              </a:lightRig>
-            </a:scene3d>
-            <a:sp3d contourW="7620">
-              <a:bevelT w="95250" h="31750"/>
-              <a:contourClr>
-                <a:srgbClr val="333333"/>
-              </a:contourClr>
-            </a:sp3d>
-            <a:extLst>
-              <a:ext uri="{909E8E84-426E-40DD-AFC4-6F175D3DCCD1}">
-                <a14:hiddenFill xmlns:a14="http://schemas.microsoft.com/office/drawing/2010/main">
-                  <a:solidFill>
-                    <a:srgbClr val="FFFFFF"/>
-                  </a:solidFill>
-                </a14:hiddenFill>
-              </a:ext>
-            </a:extLst>
-          </p:spPr>
-        </p:pic>
-        <p:pic>
-          <p:nvPicPr>
-            <p:cNvPr id="35" name="Picture 34">
-              <a:extLst>
-                <a:ext uri="{FF2B5EF4-FFF2-40B4-BE49-F238E27FC236}">
-                  <a16:creationId xmlns:a16="http://schemas.microsoft.com/office/drawing/2014/main" id="{348D4E80-E7B1-4062-8A90-FE7C39C60D2B}"/>
-                </a:ext>
-              </a:extLst>
-            </p:cNvPr>
-            <p:cNvPicPr>
-              <a:picLocks noChangeAspect="1"/>
-            </p:cNvPicPr>
-            <p:nvPr/>
-          </p:nvPicPr>
-          <p:blipFill>
-            <a:blip r:embed="rId5">
-              <a:extLst>
-                <a:ext uri="{837473B0-CC2E-450A-ABE3-18F120FF3D39}">
-                  <a1611:picAttrSrcUrl xmlns:a1611="http://schemas.microsoft.com/office/drawing/2016/11/main" r:id="rId6"/>
-                </a:ext>
-              </a:extLst>
-            </a:blip>
-            <a:stretch>
-              <a:fillRect/>
-            </a:stretch>
-          </p:blipFill>
-          <p:spPr>
-            <a:xfrm>
-              <a:off x="2584126" y="1698286"/>
-              <a:ext cx="1459563" cy="1416339"/>
-            </a:xfrm>
-            <a:prstGeom prst="ellipse">
-              <a:avLst/>
-            </a:prstGeom>
-            <a:ln w="63500" cap="rnd">
-              <a:solidFill>
-                <a:srgbClr val="333333"/>
-              </a:solidFill>
-            </a:ln>
-            <a:effectLst/>
-            <a:scene3d>
-              <a:camera prst="orthographicFront"/>
-              <a:lightRig rig="contrasting" dir="t">
-                <a:rot lat="0" lon="0" rev="3000000"/>
-              </a:lightRig>
-            </a:scene3d>
-            <a:sp3d contourW="7620">
-              <a:bevelT w="95250" h="31750"/>
-              <a:contourClr>
-                <a:srgbClr val="333333"/>
-              </a:contourClr>
-            </a:sp3d>
-          </p:spPr>
-        </p:pic>
-        <p:sp>
-          <p:nvSpPr>
-            <p:cNvPr id="6" name="Left Brace 5">
-              <a:extLst>
-                <a:ext uri="{FF2B5EF4-FFF2-40B4-BE49-F238E27FC236}">
-                  <a16:creationId xmlns:a16="http://schemas.microsoft.com/office/drawing/2014/main" id="{751EF83A-6778-42EA-9A80-6BE52AE1005B}"/>
-                </a:ext>
-              </a:extLst>
-            </p:cNvPr>
-            <p:cNvSpPr/>
-            <p:nvPr/>
-          </p:nvSpPr>
-          <p:spPr>
-            <a:xfrm>
-              <a:off x="3929368" y="1769351"/>
-              <a:ext cx="1386867" cy="4814092"/>
-            </a:xfrm>
-            <a:prstGeom prst="leftBrace">
-              <a:avLst>
-                <a:gd name="adj1" fmla="val 8333"/>
-                <a:gd name="adj2" fmla="val 44399"/>
-              </a:avLst>
-            </a:prstGeom>
-            <a:ln w="38100"/>
-          </p:spPr>
-          <p:style>
-            <a:lnRef idx="1">
-              <a:schemeClr val="dk1"/>
-            </a:lnRef>
-            <a:fillRef idx="0">
-              <a:schemeClr val="dk1"/>
-            </a:fillRef>
-            <a:effectRef idx="0">
-              <a:schemeClr val="dk1"/>
-            </a:effectRef>
-            <a:fontRef idx="minor">
-              <a:schemeClr val="tx1"/>
-            </a:fontRef>
-          </p:style>
-          <p:txBody>
-            <a:bodyPr rtlCol="0" anchor="ctr"/>
-            <a:lstStyle/>
-            <a:p>
-              <a:pPr algn="ctr"/>
-              <a:endParaRPr lang="en-US"/>
-            </a:p>
-          </p:txBody>
-        </p:sp>
-      </p:grpSp>
-      <p:grpSp>
-        <p:nvGrpSpPr>
-          <p:cNvPr id="8" name="Group 7">
-            <a:extLst>
-              <a:ext uri="{FF2B5EF4-FFF2-40B4-BE49-F238E27FC236}">
-                <a16:creationId xmlns:a16="http://schemas.microsoft.com/office/drawing/2014/main" id="{910E8003-A91A-42E5-AE90-63EB2717E2E2}"/>
-              </a:ext>
-            </a:extLst>
-          </p:cNvPr>
-          <p:cNvGrpSpPr/>
-          <p:nvPr/>
-        </p:nvGrpSpPr>
-        <p:grpSpPr>
-          <a:xfrm>
-            <a:off x="10890790" y="1070152"/>
-            <a:ext cx="1156831" cy="595627"/>
+            <a:off x="10416044" y="920750"/>
+            <a:ext cx="1156831" cy="486237"/>
             <a:chOff x="8499072" y="1048812"/>
             <a:chExt cx="1156831" cy="595627"/>
           </a:xfrm>
@@ -44435,7 +44571,7 @@
         </p:nvSpPr>
         <p:spPr>
           <a:xfrm>
-            <a:off x="4123376" y="676888"/>
+            <a:off x="4131611" y="574564"/>
             <a:ext cx="421974" cy="341575"/>
           </a:xfrm>
           <a:prstGeom prst="leftBrace">
@@ -44469,55 +44605,316 @@
           </a:p>
         </p:txBody>
       </p:sp>
-      <p:sp>
-        <p:nvSpPr>
-          <p:cNvPr id="40" name="TextBox 39">
+      <p:grpSp>
+        <p:nvGrpSpPr>
+          <p:cNvPr id="2" name="Group 1">
             <a:extLst>
               <a:ext uri="{FF2B5EF4-FFF2-40B4-BE49-F238E27FC236}">
-                <a16:creationId xmlns:a16="http://schemas.microsoft.com/office/drawing/2014/main" id="{3AA6EBD4-4A85-4284-9992-A786B03B3EA5}"/>
+                <a16:creationId xmlns:a16="http://schemas.microsoft.com/office/drawing/2014/main" id="{0CFA7140-E43A-480B-BA1E-F59B1ACB6BFB}"/>
               </a:ext>
             </a:extLst>
           </p:cNvPr>
-          <p:cNvSpPr txBox="1"/>
+          <p:cNvGrpSpPr/>
           <p:nvPr/>
-        </p:nvSpPr>
-        <p:spPr>
+        </p:nvGrpSpPr>
+        <p:grpSpPr>
           <a:xfrm>
-            <a:off x="271757" y="2894697"/>
-            <a:ext cx="1562100" cy="646331"/>
+            <a:off x="173389" y="1665779"/>
+            <a:ext cx="4351105" cy="4991032"/>
+            <a:chOff x="174755" y="1665779"/>
+            <a:chExt cx="4483265" cy="4915240"/>
           </a:xfrm>
-          <a:prstGeom prst="rect">
-            <a:avLst/>
-          </a:prstGeom>
-          <a:noFill/>
-          <a:ln w="28575">
-            <a:solidFill>
-              <a:schemeClr val="tx1"/>
-            </a:solidFill>
-          </a:ln>
-        </p:spPr>
-        <p:txBody>
-          <a:bodyPr wrap="square" rtlCol="0">
-            <a:spAutoFit/>
-          </a:bodyPr>
-          <a:lstStyle/>
-          <a:p>
-            <a:r>
-              <a:rPr lang="en-US" dirty="0">
-                <a:ln w="0"/>
-                <a:effectLst>
-                  <a:outerShdw blurRad="38100" dist="19050" dir="2700000" algn="tl" rotWithShape="0">
-                    <a:schemeClr val="dk1">
-                      <a:alpha val="40000"/>
-                    </a:schemeClr>
-                  </a:outerShdw>
-                </a:effectLst>
-              </a:rPr>
-              <a:t>Independent Variables</a:t>
-            </a:r>
-          </a:p>
-        </p:txBody>
-      </p:sp>
+        </p:grpSpPr>
+        <p:grpSp>
+          <p:nvGrpSpPr>
+            <p:cNvPr id="10" name="Group 9">
+              <a:extLst>
+                <a:ext uri="{FF2B5EF4-FFF2-40B4-BE49-F238E27FC236}">
+                  <a16:creationId xmlns:a16="http://schemas.microsoft.com/office/drawing/2014/main" id="{506FB661-FE6A-4424-A78F-42A6070E9FDC}"/>
+                </a:ext>
+              </a:extLst>
+            </p:cNvPr>
+            <p:cNvGrpSpPr/>
+            <p:nvPr/>
+          </p:nvGrpSpPr>
+          <p:grpSpPr>
+            <a:xfrm>
+              <a:off x="1769253" y="1665779"/>
+              <a:ext cx="2888767" cy="4915240"/>
+              <a:chOff x="2427468" y="1698286"/>
+              <a:chExt cx="2888767" cy="4915240"/>
+            </a:xfrm>
+          </p:grpSpPr>
+          <p:pic>
+            <p:nvPicPr>
+              <p:cNvPr id="33" name="Picture 32">
+                <a:extLst>
+                  <a:ext uri="{FF2B5EF4-FFF2-40B4-BE49-F238E27FC236}">
+                    <a16:creationId xmlns:a16="http://schemas.microsoft.com/office/drawing/2014/main" id="{57878C3A-5C08-4390-BE03-A8905BB16348}"/>
+                  </a:ext>
+                </a:extLst>
+              </p:cNvPr>
+              <p:cNvPicPr>
+                <a:picLocks noChangeAspect="1"/>
+              </p:cNvPicPr>
+              <p:nvPr/>
+            </p:nvPicPr>
+            <p:blipFill rotWithShape="1">
+              <a:blip r:embed="rId3">
+                <a:extLst>
+                  <a:ext uri="{837473B0-CC2E-450A-ABE3-18F120FF3D39}">
+                    <a1611:picAttrSrcUrl xmlns:a1611="http://schemas.microsoft.com/office/drawing/2016/11/main" r:id="rId4"/>
+                  </a:ext>
+                </a:extLst>
+              </a:blip>
+              <a:srcRect l="20739" t="16194" r="27636" b="23011"/>
+              <a:stretch/>
+            </p:blipFill>
+            <p:spPr>
+              <a:xfrm>
+                <a:off x="2454714" y="5163674"/>
+                <a:ext cx="1459563" cy="1449852"/>
+              </a:xfrm>
+              <a:prstGeom prst="ellipse">
+                <a:avLst/>
+              </a:prstGeom>
+              <a:ln w="63500" cap="rnd">
+                <a:solidFill>
+                  <a:srgbClr val="333333"/>
+                </a:solidFill>
+              </a:ln>
+              <a:effectLst/>
+              <a:scene3d>
+                <a:camera prst="orthographicFront"/>
+                <a:lightRig rig="contrasting" dir="t">
+                  <a:rot lat="0" lon="0" rev="3000000"/>
+                </a:lightRig>
+              </a:scene3d>
+              <a:sp3d contourW="7620">
+                <a:bevelT w="95250" h="31750"/>
+                <a:contourClr>
+                  <a:srgbClr val="333333"/>
+                </a:contourClr>
+              </a:sp3d>
+            </p:spPr>
+          </p:pic>
+          <p:pic>
+            <p:nvPicPr>
+              <p:cNvPr id="34" name="Picture 2" descr="Image result for energy burden">
+                <a:extLst>
+                  <a:ext uri="{FF2B5EF4-FFF2-40B4-BE49-F238E27FC236}">
+                    <a16:creationId xmlns:a16="http://schemas.microsoft.com/office/drawing/2014/main" id="{95660E83-A053-49E6-8F61-B4FA8AFF8937}"/>
+                  </a:ext>
+                </a:extLst>
+              </p:cNvPr>
+              <p:cNvPicPr>
+                <a:picLocks noChangeAspect="1" noChangeArrowheads="1"/>
+              </p:cNvPicPr>
+              <p:nvPr/>
+            </p:nvPicPr>
+            <p:blipFill>
+              <a:blip r:embed="rId5">
+                <a:extLst>
+                  <a:ext uri="{28A0092B-C50C-407E-A947-70E740481C1C}">
+                    <a14:useLocalDpi xmlns:a14="http://schemas.microsoft.com/office/drawing/2010/main" val="0"/>
+                  </a:ext>
+                </a:extLst>
+              </a:blip>
+              <a:srcRect/>
+              <a:stretch>
+                <a:fillRect/>
+              </a:stretch>
+            </p:blipFill>
+            <p:spPr bwMode="auto">
+              <a:xfrm>
+                <a:off x="2427468" y="3459384"/>
+                <a:ext cx="1489842" cy="1325218"/>
+              </a:xfrm>
+              <a:prstGeom prst="ellipse">
+                <a:avLst/>
+              </a:prstGeom>
+              <a:ln w="63500" cap="rnd">
+                <a:solidFill>
+                  <a:srgbClr val="333333"/>
+                </a:solidFill>
+              </a:ln>
+              <a:effectLst/>
+              <a:scene3d>
+                <a:camera prst="orthographicFront"/>
+                <a:lightRig rig="contrasting" dir="t">
+                  <a:rot lat="0" lon="0" rev="3000000"/>
+                </a:lightRig>
+              </a:scene3d>
+              <a:sp3d contourW="7620">
+                <a:bevelT w="95250" h="31750"/>
+                <a:contourClr>
+                  <a:srgbClr val="333333"/>
+                </a:contourClr>
+              </a:sp3d>
+              <a:extLst>
+                <a:ext uri="{909E8E84-426E-40DD-AFC4-6F175D3DCCD1}">
+                  <a14:hiddenFill xmlns:a14="http://schemas.microsoft.com/office/drawing/2010/main">
+                    <a:solidFill>
+                      <a:srgbClr val="FFFFFF"/>
+                    </a:solidFill>
+                  </a14:hiddenFill>
+                </a:ext>
+              </a:extLst>
+            </p:spPr>
+          </p:pic>
+          <p:pic>
+            <p:nvPicPr>
+              <p:cNvPr id="35" name="Picture 34">
+                <a:extLst>
+                  <a:ext uri="{FF2B5EF4-FFF2-40B4-BE49-F238E27FC236}">
+                    <a16:creationId xmlns:a16="http://schemas.microsoft.com/office/drawing/2014/main" id="{348D4E80-E7B1-4062-8A90-FE7C39C60D2B}"/>
+                  </a:ext>
+                </a:extLst>
+              </p:cNvPr>
+              <p:cNvPicPr>
+                <a:picLocks noChangeAspect="1"/>
+              </p:cNvPicPr>
+              <p:nvPr/>
+            </p:nvPicPr>
+            <p:blipFill>
+              <a:blip r:embed="rId6">
+                <a:extLst>
+                  <a:ext uri="{837473B0-CC2E-450A-ABE3-18F120FF3D39}">
+                    <a1611:picAttrSrcUrl xmlns:a1611="http://schemas.microsoft.com/office/drawing/2016/11/main" r:id="rId7"/>
+                  </a:ext>
+                </a:extLst>
+              </a:blip>
+              <a:stretch>
+                <a:fillRect/>
+              </a:stretch>
+            </p:blipFill>
+            <p:spPr>
+              <a:xfrm>
+                <a:off x="2584126" y="1698286"/>
+                <a:ext cx="1459563" cy="1416339"/>
+              </a:xfrm>
+              <a:prstGeom prst="ellipse">
+                <a:avLst/>
+              </a:prstGeom>
+              <a:ln w="63500" cap="rnd">
+                <a:solidFill>
+                  <a:srgbClr val="333333"/>
+                </a:solidFill>
+              </a:ln>
+              <a:effectLst/>
+              <a:scene3d>
+                <a:camera prst="orthographicFront"/>
+                <a:lightRig rig="contrasting" dir="t">
+                  <a:rot lat="0" lon="0" rev="3000000"/>
+                </a:lightRig>
+              </a:scene3d>
+              <a:sp3d contourW="7620">
+                <a:bevelT w="95250" h="31750"/>
+                <a:contourClr>
+                  <a:srgbClr val="333333"/>
+                </a:contourClr>
+              </a:sp3d>
+            </p:spPr>
+          </p:pic>
+          <p:sp>
+            <p:nvSpPr>
+              <p:cNvPr id="6" name="Left Brace 5">
+                <a:extLst>
+                  <a:ext uri="{FF2B5EF4-FFF2-40B4-BE49-F238E27FC236}">
+                    <a16:creationId xmlns:a16="http://schemas.microsoft.com/office/drawing/2014/main" id="{751EF83A-6778-42EA-9A80-6BE52AE1005B}"/>
+                  </a:ext>
+                </a:extLst>
+              </p:cNvPr>
+              <p:cNvSpPr/>
+              <p:nvPr/>
+            </p:nvSpPr>
+            <p:spPr>
+              <a:xfrm>
+                <a:off x="3929368" y="1769351"/>
+                <a:ext cx="1386867" cy="4814092"/>
+              </a:xfrm>
+              <a:prstGeom prst="leftBrace">
+                <a:avLst>
+                  <a:gd name="adj1" fmla="val 8333"/>
+                  <a:gd name="adj2" fmla="val 44399"/>
+                </a:avLst>
+              </a:prstGeom>
+              <a:ln w="38100"/>
+            </p:spPr>
+            <p:style>
+              <a:lnRef idx="1">
+                <a:schemeClr val="dk1"/>
+              </a:lnRef>
+              <a:fillRef idx="0">
+                <a:schemeClr val="dk1"/>
+              </a:fillRef>
+              <a:effectRef idx="0">
+                <a:schemeClr val="dk1"/>
+              </a:effectRef>
+              <a:fontRef idx="minor">
+                <a:schemeClr val="tx1"/>
+              </a:fontRef>
+            </p:style>
+            <p:txBody>
+              <a:bodyPr rtlCol="0" anchor="ctr"/>
+              <a:lstStyle/>
+              <a:p>
+                <a:pPr algn="ctr"/>
+                <a:endParaRPr lang="en-US"/>
+              </a:p>
+            </p:txBody>
+          </p:sp>
+        </p:grpSp>
+        <p:sp>
+          <p:nvSpPr>
+            <p:cNvPr id="40" name="TextBox 39">
+              <a:extLst>
+                <a:ext uri="{FF2B5EF4-FFF2-40B4-BE49-F238E27FC236}">
+                  <a16:creationId xmlns:a16="http://schemas.microsoft.com/office/drawing/2014/main" id="{3AA6EBD4-4A85-4284-9992-A786B03B3EA5}"/>
+                </a:ext>
+              </a:extLst>
+            </p:cNvPr>
+            <p:cNvSpPr txBox="1"/>
+            <p:nvPr/>
+          </p:nvSpPr>
+          <p:spPr>
+            <a:xfrm>
+              <a:off x="174755" y="3194294"/>
+              <a:ext cx="1617362" cy="646331"/>
+            </a:xfrm>
+            <a:prstGeom prst="rect">
+              <a:avLst/>
+            </a:prstGeom>
+            <a:noFill/>
+            <a:ln w="28575">
+              <a:solidFill>
+                <a:schemeClr val="tx1"/>
+              </a:solidFill>
+            </a:ln>
+          </p:spPr>
+          <p:txBody>
+            <a:bodyPr wrap="square" rtlCol="0">
+              <a:spAutoFit/>
+            </a:bodyPr>
+            <a:lstStyle/>
+            <a:p>
+              <a:r>
+                <a:rPr lang="en-US" dirty="0">
+                  <a:ln w="0"/>
+                  <a:effectLst>
+                    <a:outerShdw blurRad="38100" dist="19050" dir="2700000" algn="tl" rotWithShape="0">
+                      <a:schemeClr val="dk1">
+                        <a:alpha val="40000"/>
+                      </a:schemeClr>
+                    </a:outerShdw>
+                  </a:effectLst>
+                </a:rPr>
+                <a:t>Independent Variables</a:t>
+              </a:r>
+            </a:p>
+          </p:txBody>
+        </p:sp>
+      </p:grpSp>
     </p:spTree>
     <p:extLst>
       <p:ext uri="{BB962C8B-B14F-4D97-AF65-F5344CB8AC3E}">
@@ -46089,43 +46486,6 @@
       </p:sp>
       <p:sp>
         <p:nvSpPr>
-          <p:cNvPr id="3" name="Subtitle 2">
-            <a:extLst>
-              <a:ext uri="{FF2B5EF4-FFF2-40B4-BE49-F238E27FC236}">
-                <a16:creationId xmlns:a16="http://schemas.microsoft.com/office/drawing/2014/main" id="{84A4FF40-7D0F-47D2-974B-374F00A0AD89}"/>
-              </a:ext>
-            </a:extLst>
-          </p:cNvPr>
-          <p:cNvSpPr>
-            <a:spLocks noGrp="1"/>
-          </p:cNvSpPr>
-          <p:nvPr>
-            <p:ph type="subTitle" idx="1"/>
-          </p:nvPr>
-        </p:nvSpPr>
-        <p:spPr>
-          <a:xfrm>
-            <a:off x="2037374" y="4560432"/>
-            <a:ext cx="8300202" cy="1228171"/>
-          </a:xfrm>
-        </p:spPr>
-        <p:txBody>
-          <a:bodyPr>
-            <a:normAutofit/>
-          </a:bodyPr>
-          <a:lstStyle/>
-          <a:p>
-            <a:pPr algn="l"/>
-            <a:endParaRPr lang="en-US" sz="2400" dirty="0">
-              <a:solidFill>
-                <a:schemeClr val="tx1"/>
-              </a:solidFill>
-            </a:endParaRPr>
-          </a:p>
-        </p:txBody>
-      </p:sp>
-      <p:sp>
-        <p:nvSpPr>
           <p:cNvPr id="31" name="Isosceles Triangle 30">
             <a:extLst>
               <a:ext uri="{FF2B5EF4-FFF2-40B4-BE49-F238E27FC236}">
@@ -46201,14 +46561,14 @@
           <p:nvPr>
             <p:extLst>
               <p:ext uri="{D42A27DB-BD31-4B8C-83A1-F6EECF244321}">
-                <p14:modId xmlns:p14="http://schemas.microsoft.com/office/powerpoint/2010/main" val="2458309198"/>
+                <p14:modId xmlns:p14="http://schemas.microsoft.com/office/powerpoint/2010/main" val="1754980825"/>
               </p:ext>
             </p:extLst>
           </p:nvPr>
         </p:nvGraphicFramePr>
         <p:xfrm>
           <a:off x="1393830" y="87966"/>
-          <a:ext cx="8226946" cy="6566414"/>
+          <a:ext cx="8226946" cy="6209391"/>
         </p:xfrm>
         <a:graphic>
           <a:graphicData uri="http://schemas.openxmlformats.org/drawingml/2006/table">
@@ -47407,112 +47767,6 @@
                           <a:ea typeface="Calibri" panose="020F0502020204030204" pitchFamily="34" charset="0"/>
                           <a:cs typeface="Times New Roman" panose="02020603050405020304" pitchFamily="18" charset="0"/>
                         </a:rPr>
-                        <a:t>% of TX State Median Income</a:t>
-                      </a:r>
-                    </a:p>
-                  </a:txBody>
-                  <a:tcPr marL="86320" marR="86320" marT="0" marB="0"/>
-                </a:tc>
-                <a:tc>
-                  <a:txBody>
-                    <a:bodyPr/>
-                    <a:lstStyle/>
-                    <a:p>
-                      <a:pPr marL="0" marR="0" lvl="0" indent="0" algn="l" defTabSz="914400" rtl="0" eaLnBrk="1" fontAlgn="auto" latinLnBrk="0" hangingPunct="1">
-                        <a:lnSpc>
-                          <a:spcPct val="107000"/>
-                        </a:lnSpc>
-                        <a:spcBef>
-                          <a:spcPts val="0"/>
-                        </a:spcBef>
-                        <a:spcAft>
-                          <a:spcPts val="0"/>
-                        </a:spcAft>
-                        <a:buClrTx/>
-                        <a:buSzTx/>
-                        <a:buFontTx/>
-                        <a:buNone/>
-                        <a:tabLst/>
-                        <a:defRPr/>
-                      </a:pPr>
-                      <a:r>
-                        <a:rPr lang="en-US" sz="1400" dirty="0">
-                          <a:effectLst/>
-                          <a:latin typeface="Calibri" panose="020F0502020204030204" pitchFamily="34" charset="0"/>
-                          <a:ea typeface="Calibri" panose="020F0502020204030204" pitchFamily="34" charset="0"/>
-                          <a:cs typeface="Times New Roman" panose="02020603050405020304" pitchFamily="18" charset="0"/>
-                        </a:rPr>
-                        <a:t>US Census, SAIPE</a:t>
-                      </a:r>
-                    </a:p>
-                  </a:txBody>
-                  <a:tcPr marL="86320" marR="86320" marT="0" marB="0"/>
-                </a:tc>
-                <a:tc>
-                  <a:txBody>
-                    <a:bodyPr/>
-                    <a:lstStyle/>
-                    <a:p>
-                      <a:pPr marL="0" marR="0" lvl="0" indent="0" algn="l" defTabSz="914400" rtl="0" eaLnBrk="1" fontAlgn="auto" latinLnBrk="0" hangingPunct="1">
-                        <a:lnSpc>
-                          <a:spcPct val="107000"/>
-                        </a:lnSpc>
-                        <a:spcBef>
-                          <a:spcPts val="0"/>
-                        </a:spcBef>
-                        <a:spcAft>
-                          <a:spcPts val="0"/>
-                        </a:spcAft>
-                        <a:buClrTx/>
-                        <a:buSzTx/>
-                        <a:buFontTx/>
-                        <a:buNone/>
-                        <a:tabLst/>
-                        <a:defRPr/>
-                      </a:pPr>
-                      <a:r>
-                        <a:rPr lang="en-US" sz="1400" dirty="0">
-                          <a:effectLst/>
-                          <a:latin typeface="Calibri" panose="020F0502020204030204" pitchFamily="34" charset="0"/>
-                          <a:ea typeface="Calibri" panose="020F0502020204030204" pitchFamily="34" charset="0"/>
-                          <a:cs typeface="Times New Roman" panose="02020603050405020304" pitchFamily="18" charset="0"/>
-                        </a:rPr>
-                        <a:t>County Health Ranking</a:t>
-                      </a:r>
-                    </a:p>
-                  </a:txBody>
-                  <a:tcPr marL="86320" marR="86320" marT="0" marB="0"/>
-                </a:tc>
-                <a:extLst>
-                  <a:ext uri="{0D108BD9-81ED-4DB2-BD59-A6C34878D82A}">
-                    <a16:rowId xmlns:a16="http://schemas.microsoft.com/office/drawing/2014/main" val="1123948438"/>
-                  </a:ext>
-                </a:extLst>
-              </a:tr>
-              <a:tr h="357023">
-                <a:tc>
-                  <a:txBody>
-                    <a:bodyPr/>
-                    <a:lstStyle/>
-                    <a:p>
-                      <a:pPr marL="0" marR="0">
-                        <a:lnSpc>
-                          <a:spcPct val="107000"/>
-                        </a:lnSpc>
-                        <a:spcBef>
-                          <a:spcPts val="0"/>
-                        </a:spcBef>
-                        <a:spcAft>
-                          <a:spcPts val="0"/>
-                        </a:spcAft>
-                      </a:pPr>
-                      <a:r>
-                        <a:rPr lang="en-US" sz="1400" dirty="0">
-                          <a:effectLst/>
-                          <a:latin typeface="Calibri" panose="020F0502020204030204" pitchFamily="34" charset="0"/>
-                          <a:ea typeface="Calibri" panose="020F0502020204030204" pitchFamily="34" charset="0"/>
-                          <a:cs typeface="Times New Roman" panose="02020603050405020304" pitchFamily="18" charset="0"/>
-                        </a:rPr>
                         <a:t>% of Residential Units Owned</a:t>
                       </a:r>
                     </a:p>
@@ -48080,14 +48334,20 @@
                         <a:defRPr/>
                       </a:pPr>
                       <a:r>
-                        <a:rPr lang="en-US" sz="1400" dirty="0">
+                        <a:rPr lang="en-US" sz="1400">
                           <a:effectLst/>
                           <a:latin typeface="Calibri" panose="020F0502020204030204" pitchFamily="34" charset="0"/>
                           <a:ea typeface="Calibri" panose="020F0502020204030204" pitchFamily="34" charset="0"/>
                           <a:cs typeface="Times New Roman" panose="02020603050405020304" pitchFamily="18" charset="0"/>
                         </a:rPr>
-                        <a:t>US Census</a:t>
+                        <a:t>SAME</a:t>
                       </a:r>
+                      <a:endParaRPr lang="en-US" sz="1400" dirty="0">
+                        <a:effectLst/>
+                        <a:latin typeface="Calibri" panose="020F0502020204030204" pitchFamily="34" charset="0"/>
+                        <a:ea typeface="Calibri" panose="020F0502020204030204" pitchFamily="34" charset="0"/>
+                        <a:cs typeface="Times New Roman" panose="02020603050405020304" pitchFamily="18" charset="0"/>
+                      </a:endParaRPr>
                     </a:p>
                   </a:txBody>
                   <a:tcPr marL="86320" marR="86320" marT="0" marB="0"/>
